--- a/sparql-anything-it/src/test/resources/Presentation1.pptx
+++ b/sparql-anything-it/src/test/resources/Presentation1.pptx
@@ -1,3 +1,3600 @@
+
+<file path=ppt/presentation.xml><?xml version="1.0" encoding="utf-8"?>
+<p:presentation xmlns:a="http://schemas.openxmlformats.org/drawingml/2006/main" xmlns:r="http://schemas.openxmlformats.org/officeDocument/2006/relationships" xmlns:p="http://schemas.openxmlformats.org/presentationml/2006/main" saveSubsetFonts="1" autoCompressPictures="0">
+  <p:sldMasterIdLst>
+    <p:sldMasterId id="2147483648" r:id="rId1"/>
+  </p:sldMasterIdLst>
+  <p:sldIdLst>
+    <p:sldId id="256" r:id="rId2"/>
+    <p:sldId id="257" r:id="rId3"/>
+    <p:sldId id="258" r:id="rId4"/>
+  </p:sldIdLst>
+  <p:sldSz cx="12192000" cy="6858000"/>
+  <p:notesSz cx="6858000" cy="9144000"/>
+  <p:defaultTextStyle>
+    <a:defPPr>
+      <a:defRPr lang="en-IT"/>
+    </a:defPPr>
+    <a:lvl1pPr marL="0" algn="l" defTabSz="914400" rtl="0" eaLnBrk="1" latinLnBrk="0" hangingPunct="1">
+      <a:defRPr sz="1800" kern="1200">
+        <a:solidFill>
+          <a:schemeClr val="tx1"/>
+        </a:solidFill>
+        <a:latin typeface="+mn-lt"/>
+        <a:ea typeface="+mn-ea"/>
+        <a:cs typeface="+mn-cs"/>
+      </a:defRPr>
+    </a:lvl1pPr>
+    <a:lvl2pPr marL="457200" algn="l" defTabSz="914400" rtl="0" eaLnBrk="1" latinLnBrk="0" hangingPunct="1">
+      <a:defRPr sz="1800" kern="1200">
+        <a:solidFill>
+          <a:schemeClr val="tx1"/>
+        </a:solidFill>
+        <a:latin typeface="+mn-lt"/>
+        <a:ea typeface="+mn-ea"/>
+        <a:cs typeface="+mn-cs"/>
+      </a:defRPr>
+    </a:lvl2pPr>
+    <a:lvl3pPr marL="914400" algn="l" defTabSz="914400" rtl="0" eaLnBrk="1" latinLnBrk="0" hangingPunct="1">
+      <a:defRPr sz="1800" kern="1200">
+        <a:solidFill>
+          <a:schemeClr val="tx1"/>
+        </a:solidFill>
+        <a:latin typeface="+mn-lt"/>
+        <a:ea typeface="+mn-ea"/>
+        <a:cs typeface="+mn-cs"/>
+      </a:defRPr>
+    </a:lvl3pPr>
+    <a:lvl4pPr marL="1371600" algn="l" defTabSz="914400" rtl="0" eaLnBrk="1" latinLnBrk="0" hangingPunct="1">
+      <a:defRPr sz="1800" kern="1200">
+        <a:solidFill>
+          <a:schemeClr val="tx1"/>
+        </a:solidFill>
+        <a:latin typeface="+mn-lt"/>
+        <a:ea typeface="+mn-ea"/>
+        <a:cs typeface="+mn-cs"/>
+      </a:defRPr>
+    </a:lvl4pPr>
+    <a:lvl5pPr marL="1828800" algn="l" defTabSz="914400" rtl="0" eaLnBrk="1" latinLnBrk="0" hangingPunct="1">
+      <a:defRPr sz="1800" kern="1200">
+        <a:solidFill>
+          <a:schemeClr val="tx1"/>
+        </a:solidFill>
+        <a:latin typeface="+mn-lt"/>
+        <a:ea typeface="+mn-ea"/>
+        <a:cs typeface="+mn-cs"/>
+      </a:defRPr>
+    </a:lvl5pPr>
+    <a:lvl6pPr marL="2286000" algn="l" defTabSz="914400" rtl="0" eaLnBrk="1" latinLnBrk="0" hangingPunct="1">
+      <a:defRPr sz="1800" kern="1200">
+        <a:solidFill>
+          <a:schemeClr val="tx1"/>
+        </a:solidFill>
+        <a:latin typeface="+mn-lt"/>
+        <a:ea typeface="+mn-ea"/>
+        <a:cs typeface="+mn-cs"/>
+      </a:defRPr>
+    </a:lvl6pPr>
+    <a:lvl7pPr marL="2743200" algn="l" defTabSz="914400" rtl="0" eaLnBrk="1" latinLnBrk="0" hangingPunct="1">
+      <a:defRPr sz="1800" kern="1200">
+        <a:solidFill>
+          <a:schemeClr val="tx1"/>
+        </a:solidFill>
+        <a:latin typeface="+mn-lt"/>
+        <a:ea typeface="+mn-ea"/>
+        <a:cs typeface="+mn-cs"/>
+      </a:defRPr>
+    </a:lvl7pPr>
+    <a:lvl8pPr marL="3200400" algn="l" defTabSz="914400" rtl="0" eaLnBrk="1" latinLnBrk="0" hangingPunct="1">
+      <a:defRPr sz="1800" kern="1200">
+        <a:solidFill>
+          <a:schemeClr val="tx1"/>
+        </a:solidFill>
+        <a:latin typeface="+mn-lt"/>
+        <a:ea typeface="+mn-ea"/>
+        <a:cs typeface="+mn-cs"/>
+      </a:defRPr>
+    </a:lvl8pPr>
+    <a:lvl9pPr marL="3657600" algn="l" defTabSz="914400" rtl="0" eaLnBrk="1" latinLnBrk="0" hangingPunct="1">
+      <a:defRPr sz="1800" kern="1200">
+        <a:solidFill>
+          <a:schemeClr val="tx1"/>
+        </a:solidFill>
+        <a:latin typeface="+mn-lt"/>
+        <a:ea typeface="+mn-ea"/>
+        <a:cs typeface="+mn-cs"/>
+      </a:defRPr>
+    </a:lvl9pPr>
+  </p:defaultTextStyle>
+  <p:extLst>
+    <p:ext uri="{EFAFB233-063F-42B5-8137-9DF3F51BA10A}">
+      <p15:sldGuideLst xmlns:p15="http://schemas.microsoft.com/office/powerpoint/2012/main">
+        <p15:guide id="1" orient="horz" pos="2160" userDrawn="1">
+          <p15:clr>
+            <a:srgbClr val="A4A3A4"/>
+          </p15:clr>
+        </p15:guide>
+        <p15:guide id="2" pos="3840" userDrawn="1">
+          <p15:clr>
+            <a:srgbClr val="A4A3A4"/>
+          </p15:clr>
+        </p15:guide>
+      </p15:sldGuideLst>
+    </p:ext>
+  </p:extLst>
+</p:presentation>
+</file>
+
+<file path=ppt/slideLayouts/slideLayout1.xml><?xml version="1.0" encoding="utf-8"?>
+<p:sldLayout xmlns:a="http://schemas.openxmlformats.org/drawingml/2006/main" xmlns:r="http://schemas.openxmlformats.org/officeDocument/2006/relationships" xmlns:p="http://schemas.openxmlformats.org/presentationml/2006/main" type="title" preserve="1">
+  <p:cSld name="Title Slide">
+    <p:spTree>
+      <p:nvGrpSpPr>
+        <p:cNvPr id="1" name=""/>
+        <p:cNvGrpSpPr/>
+        <p:nvPr/>
+      </p:nvGrpSpPr>
+      <p:grpSpPr>
+        <a:xfrm>
+          <a:off x="0" y="0"/>
+          <a:ext cx="0" cy="0"/>
+          <a:chOff x="0" y="0"/>
+          <a:chExt cx="0" cy="0"/>
+        </a:xfrm>
+      </p:grpSpPr>
+      <p:sp>
+        <p:nvSpPr>
+          <p:cNvPr id="2" name="Title 1">
+            <a:extLst>
+              <a:ext uri="{FF2B5EF4-FFF2-40B4-BE49-F238E27FC236}">
+                <a16:creationId xmlns:a16="http://schemas.microsoft.com/office/drawing/2014/main" id="{69725EBF-FF7A-8264-CFB4-5E99A837B7BB}"/>
+              </a:ext>
+            </a:extLst>
+          </p:cNvPr>
+          <p:cNvSpPr>
+            <a:spLocks noGrp="1"/>
+          </p:cNvSpPr>
+          <p:nvPr>
+            <p:ph type="ctrTitle"/>
+          </p:nvPr>
+        </p:nvSpPr>
+        <p:spPr>
+          <a:xfrm>
+            <a:off x="1524000" y="1122363"/>
+            <a:ext cx="9144000" cy="2387600"/>
+          </a:xfrm>
+        </p:spPr>
+        <p:txBody>
+          <a:bodyPr anchor="b"/>
+          <a:lstStyle>
+            <a:lvl1pPr algn="ctr">
+              <a:defRPr sz="6000"/>
+            </a:lvl1pPr>
+          </a:lstStyle>
+          <a:p>
+            <a:r>
+              <a:rPr lang="en-GB"/>
+              <a:t>Click to edit Master title style</a:t>
+            </a:r>
+          </a:p>
+        </p:txBody>
+      </p:sp>
+      <p:sp>
+        <p:nvSpPr>
+          <p:cNvPr id="3" name="Subtitle 2">
+            <a:extLst>
+              <a:ext uri="{FF2B5EF4-FFF2-40B4-BE49-F238E27FC236}">
+                <a16:creationId xmlns:a16="http://schemas.microsoft.com/office/drawing/2014/main" id="{EAF3D2A1-DC40-6991-01B2-0194187A940B}"/>
+              </a:ext>
+            </a:extLst>
+          </p:cNvPr>
+          <p:cNvSpPr>
+            <a:spLocks noGrp="1"/>
+          </p:cNvSpPr>
+          <p:nvPr>
+            <p:ph type="subTitle" idx="1"/>
+          </p:nvPr>
+        </p:nvSpPr>
+        <p:spPr>
+          <a:xfrm>
+            <a:off x="1524000" y="3602038"/>
+            <a:ext cx="9144000" cy="1655762"/>
+          </a:xfrm>
+        </p:spPr>
+        <p:txBody>
+          <a:bodyPr/>
+          <a:lstStyle>
+            <a:lvl1pPr marL="0" indent="0" algn="ctr">
+              <a:buNone/>
+              <a:defRPr sz="2400"/>
+            </a:lvl1pPr>
+            <a:lvl2pPr marL="457200" indent="0" algn="ctr">
+              <a:buNone/>
+              <a:defRPr sz="2000"/>
+            </a:lvl2pPr>
+            <a:lvl3pPr marL="914400" indent="0" algn="ctr">
+              <a:buNone/>
+              <a:defRPr sz="1800"/>
+            </a:lvl3pPr>
+            <a:lvl4pPr marL="1371600" indent="0" algn="ctr">
+              <a:buNone/>
+              <a:defRPr sz="1600"/>
+            </a:lvl4pPr>
+            <a:lvl5pPr marL="1828800" indent="0" algn="ctr">
+              <a:buNone/>
+              <a:defRPr sz="1600"/>
+            </a:lvl5pPr>
+            <a:lvl6pPr marL="2286000" indent="0" algn="ctr">
+              <a:buNone/>
+              <a:defRPr sz="1600"/>
+            </a:lvl6pPr>
+            <a:lvl7pPr marL="2743200" indent="0" algn="ctr">
+              <a:buNone/>
+              <a:defRPr sz="1600"/>
+            </a:lvl7pPr>
+            <a:lvl8pPr marL="3200400" indent="0" algn="ctr">
+              <a:buNone/>
+              <a:defRPr sz="1600"/>
+            </a:lvl8pPr>
+            <a:lvl9pPr marL="3657600" indent="0" algn="ctr">
+              <a:buNone/>
+              <a:defRPr sz="1600"/>
+            </a:lvl9pPr>
+          </a:lstStyle>
+          <a:p>
+            <a:r>
+              <a:rPr lang="en-GB"/>
+              <a:t>Click to edit Master subtitle style</a:t>
+            </a:r>
+          </a:p>
+        </p:txBody>
+      </p:sp>
+      <p:sp>
+        <p:nvSpPr>
+          <p:cNvPr id="4" name="Date Placeholder 3">
+            <a:extLst>
+              <a:ext uri="{FF2B5EF4-FFF2-40B4-BE49-F238E27FC236}">
+                <a16:creationId xmlns:a16="http://schemas.microsoft.com/office/drawing/2014/main" id="{02A65581-DA1A-14E6-E287-DCEC72B48CDE}"/>
+              </a:ext>
+            </a:extLst>
+          </p:cNvPr>
+          <p:cNvSpPr>
+            <a:spLocks noGrp="1"/>
+          </p:cNvSpPr>
+          <p:nvPr>
+            <p:ph type="dt" sz="half" idx="10"/>
+          </p:nvPr>
+        </p:nvSpPr>
+        <p:spPr/>
+        <p:txBody>
+          <a:bodyPr/>
+          <a:lstStyle/>
+          <a:p>
+            <a:fld id="{B2B9EC86-279D-1C4C-8940-EB3087A9E53E}" type="datetimeFigureOut">
+              <a:rPr lang="en-GB" smtClean="0"/>
+              <a:t>27/11/2023</a:t>
+            </a:fld>
+            <a:endParaRPr lang="en-GB"/>
+          </a:p>
+        </p:txBody>
+      </p:sp>
+      <p:sp>
+        <p:nvSpPr>
+          <p:cNvPr id="5" name="Footer Placeholder 4">
+            <a:extLst>
+              <a:ext uri="{FF2B5EF4-FFF2-40B4-BE49-F238E27FC236}">
+                <a16:creationId xmlns:a16="http://schemas.microsoft.com/office/drawing/2014/main" id="{4A895A50-445C-3858-8954-E86BF6EC6B37}"/>
+              </a:ext>
+            </a:extLst>
+          </p:cNvPr>
+          <p:cNvSpPr>
+            <a:spLocks noGrp="1"/>
+          </p:cNvSpPr>
+          <p:nvPr>
+            <p:ph type="ftr" sz="quarter" idx="11"/>
+          </p:nvPr>
+        </p:nvSpPr>
+        <p:spPr/>
+        <p:txBody>
+          <a:bodyPr/>
+          <a:lstStyle/>
+          <a:p>
+            <a:endParaRPr lang="en-GB"/>
+          </a:p>
+        </p:txBody>
+      </p:sp>
+      <p:sp>
+        <p:nvSpPr>
+          <p:cNvPr id="6" name="Slide Number Placeholder 5">
+            <a:extLst>
+              <a:ext uri="{FF2B5EF4-FFF2-40B4-BE49-F238E27FC236}">
+                <a16:creationId xmlns:a16="http://schemas.microsoft.com/office/drawing/2014/main" id="{65C067FD-5BC7-B6BD-98C6-E9DCB95C6A7F}"/>
+              </a:ext>
+            </a:extLst>
+          </p:cNvPr>
+          <p:cNvSpPr>
+            <a:spLocks noGrp="1"/>
+          </p:cNvSpPr>
+          <p:nvPr>
+            <p:ph type="sldNum" sz="quarter" idx="12"/>
+          </p:nvPr>
+        </p:nvSpPr>
+        <p:spPr/>
+        <p:txBody>
+          <a:bodyPr/>
+          <a:lstStyle/>
+          <a:p>
+            <a:fld id="{815D9A1C-3CCE-984D-8E62-4EFE2F4188D1}" type="slidenum">
+              <a:rPr lang="en-GB" smtClean="0"/>
+              <a:t>‹#›</a:t>
+            </a:fld>
+            <a:endParaRPr lang="en-GB"/>
+          </a:p>
+        </p:txBody>
+      </p:sp>
+    </p:spTree>
+    <p:extLst>
+      <p:ext uri="{BB962C8B-B14F-4D97-AF65-F5344CB8AC3E}">
+        <p14:creationId xmlns:p14="http://schemas.microsoft.com/office/powerpoint/2010/main" val="3023272650"/>
+      </p:ext>
+    </p:extLst>
+  </p:cSld>
+  <p:clrMapOvr>
+    <a:masterClrMapping/>
+  </p:clrMapOvr>
+</p:sldLayout>
+</file>
+
+<file path=ppt/slideLayouts/slideLayout10.xml><?xml version="1.0" encoding="utf-8"?>
+<p:sldLayout xmlns:a="http://schemas.openxmlformats.org/drawingml/2006/main" xmlns:r="http://schemas.openxmlformats.org/officeDocument/2006/relationships" xmlns:p="http://schemas.openxmlformats.org/presentationml/2006/main" type="vertTx" preserve="1">
+  <p:cSld name="Title and Vertical Text">
+    <p:spTree>
+      <p:nvGrpSpPr>
+        <p:cNvPr id="1" name=""/>
+        <p:cNvGrpSpPr/>
+        <p:nvPr/>
+      </p:nvGrpSpPr>
+      <p:grpSpPr>
+        <a:xfrm>
+          <a:off x="0" y="0"/>
+          <a:ext cx="0" cy="0"/>
+          <a:chOff x="0" y="0"/>
+          <a:chExt cx="0" cy="0"/>
+        </a:xfrm>
+      </p:grpSpPr>
+      <p:sp>
+        <p:nvSpPr>
+          <p:cNvPr id="2" name="Title 1">
+            <a:extLst>
+              <a:ext uri="{FF2B5EF4-FFF2-40B4-BE49-F238E27FC236}">
+                <a16:creationId xmlns:a16="http://schemas.microsoft.com/office/drawing/2014/main" id="{EC7639A3-762C-E5A4-D5D4-6BE142EB3EB3}"/>
+              </a:ext>
+            </a:extLst>
+          </p:cNvPr>
+          <p:cNvSpPr>
+            <a:spLocks noGrp="1"/>
+          </p:cNvSpPr>
+          <p:nvPr>
+            <p:ph type="title"/>
+          </p:nvPr>
+        </p:nvSpPr>
+        <p:spPr/>
+        <p:txBody>
+          <a:bodyPr/>
+          <a:lstStyle/>
+          <a:p>
+            <a:r>
+              <a:rPr lang="en-GB"/>
+              <a:t>Click to edit Master title style</a:t>
+            </a:r>
+          </a:p>
+        </p:txBody>
+      </p:sp>
+      <p:sp>
+        <p:nvSpPr>
+          <p:cNvPr id="3" name="Vertical Text Placeholder 2">
+            <a:extLst>
+              <a:ext uri="{FF2B5EF4-FFF2-40B4-BE49-F238E27FC236}">
+                <a16:creationId xmlns:a16="http://schemas.microsoft.com/office/drawing/2014/main" id="{3D833351-9D67-8BA0-B7A8-F180DE0656F4}"/>
+              </a:ext>
+            </a:extLst>
+          </p:cNvPr>
+          <p:cNvSpPr>
+            <a:spLocks noGrp="1"/>
+          </p:cNvSpPr>
+          <p:nvPr>
+            <p:ph type="body" orient="vert" idx="1"/>
+          </p:nvPr>
+        </p:nvSpPr>
+        <p:spPr/>
+        <p:txBody>
+          <a:bodyPr vert="eaVert"/>
+          <a:lstStyle/>
+          <a:p>
+            <a:pPr lvl="0"/>
+            <a:r>
+              <a:rPr lang="en-GB"/>
+              <a:t>Click to edit Master text styles</a:t>
+            </a:r>
+          </a:p>
+          <a:p>
+            <a:pPr lvl="1"/>
+            <a:r>
+              <a:rPr lang="en-GB"/>
+              <a:t>Second level</a:t>
+            </a:r>
+          </a:p>
+          <a:p>
+            <a:pPr lvl="2"/>
+            <a:r>
+              <a:rPr lang="en-GB"/>
+              <a:t>Third level</a:t>
+            </a:r>
+          </a:p>
+          <a:p>
+            <a:pPr lvl="3"/>
+            <a:r>
+              <a:rPr lang="en-GB"/>
+              <a:t>Fourth level</a:t>
+            </a:r>
+          </a:p>
+          <a:p>
+            <a:pPr lvl="4"/>
+            <a:r>
+              <a:rPr lang="en-GB"/>
+              <a:t>Fifth level</a:t>
+            </a:r>
+          </a:p>
+        </p:txBody>
+      </p:sp>
+      <p:sp>
+        <p:nvSpPr>
+          <p:cNvPr id="4" name="Date Placeholder 3">
+            <a:extLst>
+              <a:ext uri="{FF2B5EF4-FFF2-40B4-BE49-F238E27FC236}">
+                <a16:creationId xmlns:a16="http://schemas.microsoft.com/office/drawing/2014/main" id="{6D8CE591-CBB8-A873-5A91-3244633B052B}"/>
+              </a:ext>
+            </a:extLst>
+          </p:cNvPr>
+          <p:cNvSpPr>
+            <a:spLocks noGrp="1"/>
+          </p:cNvSpPr>
+          <p:nvPr>
+            <p:ph type="dt" sz="half" idx="10"/>
+          </p:nvPr>
+        </p:nvSpPr>
+        <p:spPr/>
+        <p:txBody>
+          <a:bodyPr/>
+          <a:lstStyle/>
+          <a:p>
+            <a:fld id="{B2B9EC86-279D-1C4C-8940-EB3087A9E53E}" type="datetimeFigureOut">
+              <a:rPr lang="en-GB" smtClean="0"/>
+              <a:t>27/11/2023</a:t>
+            </a:fld>
+            <a:endParaRPr lang="en-GB"/>
+          </a:p>
+        </p:txBody>
+      </p:sp>
+      <p:sp>
+        <p:nvSpPr>
+          <p:cNvPr id="5" name="Footer Placeholder 4">
+            <a:extLst>
+              <a:ext uri="{FF2B5EF4-FFF2-40B4-BE49-F238E27FC236}">
+                <a16:creationId xmlns:a16="http://schemas.microsoft.com/office/drawing/2014/main" id="{FDCE9793-AAA0-0ACA-B823-2B3299004D9E}"/>
+              </a:ext>
+            </a:extLst>
+          </p:cNvPr>
+          <p:cNvSpPr>
+            <a:spLocks noGrp="1"/>
+          </p:cNvSpPr>
+          <p:nvPr>
+            <p:ph type="ftr" sz="quarter" idx="11"/>
+          </p:nvPr>
+        </p:nvSpPr>
+        <p:spPr/>
+        <p:txBody>
+          <a:bodyPr/>
+          <a:lstStyle/>
+          <a:p>
+            <a:endParaRPr lang="en-GB"/>
+          </a:p>
+        </p:txBody>
+      </p:sp>
+      <p:sp>
+        <p:nvSpPr>
+          <p:cNvPr id="6" name="Slide Number Placeholder 5">
+            <a:extLst>
+              <a:ext uri="{FF2B5EF4-FFF2-40B4-BE49-F238E27FC236}">
+                <a16:creationId xmlns:a16="http://schemas.microsoft.com/office/drawing/2014/main" id="{43F7E6CE-EE28-D1A5-1C22-D36442A141F5}"/>
+              </a:ext>
+            </a:extLst>
+          </p:cNvPr>
+          <p:cNvSpPr>
+            <a:spLocks noGrp="1"/>
+          </p:cNvSpPr>
+          <p:nvPr>
+            <p:ph type="sldNum" sz="quarter" idx="12"/>
+          </p:nvPr>
+        </p:nvSpPr>
+        <p:spPr/>
+        <p:txBody>
+          <a:bodyPr/>
+          <a:lstStyle/>
+          <a:p>
+            <a:fld id="{815D9A1C-3CCE-984D-8E62-4EFE2F4188D1}" type="slidenum">
+              <a:rPr lang="en-GB" smtClean="0"/>
+              <a:t>‹#›</a:t>
+            </a:fld>
+            <a:endParaRPr lang="en-GB"/>
+          </a:p>
+        </p:txBody>
+      </p:sp>
+    </p:spTree>
+    <p:extLst>
+      <p:ext uri="{BB962C8B-B14F-4D97-AF65-F5344CB8AC3E}">
+        <p14:creationId xmlns:p14="http://schemas.microsoft.com/office/powerpoint/2010/main" val="1543021196"/>
+      </p:ext>
+    </p:extLst>
+  </p:cSld>
+  <p:clrMapOvr>
+    <a:masterClrMapping/>
+  </p:clrMapOvr>
+</p:sldLayout>
+</file>
+
+<file path=ppt/slideLayouts/slideLayout11.xml><?xml version="1.0" encoding="utf-8"?>
+<p:sldLayout xmlns:a="http://schemas.openxmlformats.org/drawingml/2006/main" xmlns:r="http://schemas.openxmlformats.org/officeDocument/2006/relationships" xmlns:p="http://schemas.openxmlformats.org/presentationml/2006/main" type="vertTitleAndTx" preserve="1">
+  <p:cSld name="Vertical Title and Text">
+    <p:spTree>
+      <p:nvGrpSpPr>
+        <p:cNvPr id="1" name=""/>
+        <p:cNvGrpSpPr/>
+        <p:nvPr/>
+      </p:nvGrpSpPr>
+      <p:grpSpPr>
+        <a:xfrm>
+          <a:off x="0" y="0"/>
+          <a:ext cx="0" cy="0"/>
+          <a:chOff x="0" y="0"/>
+          <a:chExt cx="0" cy="0"/>
+        </a:xfrm>
+      </p:grpSpPr>
+      <p:sp>
+        <p:nvSpPr>
+          <p:cNvPr id="2" name="Vertical Title 1">
+            <a:extLst>
+              <a:ext uri="{FF2B5EF4-FFF2-40B4-BE49-F238E27FC236}">
+                <a16:creationId xmlns:a16="http://schemas.microsoft.com/office/drawing/2014/main" id="{AB74547E-BDF5-B24B-80FA-AD8E344F7A08}"/>
+              </a:ext>
+            </a:extLst>
+          </p:cNvPr>
+          <p:cNvSpPr>
+            <a:spLocks noGrp="1"/>
+          </p:cNvSpPr>
+          <p:nvPr>
+            <p:ph type="title" orient="vert"/>
+          </p:nvPr>
+        </p:nvSpPr>
+        <p:spPr>
+          <a:xfrm>
+            <a:off x="8724900" y="365125"/>
+            <a:ext cx="2628900" cy="5811838"/>
+          </a:xfrm>
+        </p:spPr>
+        <p:txBody>
+          <a:bodyPr vert="eaVert"/>
+          <a:lstStyle/>
+          <a:p>
+            <a:r>
+              <a:rPr lang="en-GB"/>
+              <a:t>Click to edit Master title style</a:t>
+            </a:r>
+          </a:p>
+        </p:txBody>
+      </p:sp>
+      <p:sp>
+        <p:nvSpPr>
+          <p:cNvPr id="3" name="Vertical Text Placeholder 2">
+            <a:extLst>
+              <a:ext uri="{FF2B5EF4-FFF2-40B4-BE49-F238E27FC236}">
+                <a16:creationId xmlns:a16="http://schemas.microsoft.com/office/drawing/2014/main" id="{CFC63BA3-FA19-7D40-8628-515081DF81C7}"/>
+              </a:ext>
+            </a:extLst>
+          </p:cNvPr>
+          <p:cNvSpPr>
+            <a:spLocks noGrp="1"/>
+          </p:cNvSpPr>
+          <p:nvPr>
+            <p:ph type="body" orient="vert" idx="1"/>
+          </p:nvPr>
+        </p:nvSpPr>
+        <p:spPr>
+          <a:xfrm>
+            <a:off x="838200" y="365125"/>
+            <a:ext cx="7734300" cy="5811838"/>
+          </a:xfrm>
+        </p:spPr>
+        <p:txBody>
+          <a:bodyPr vert="eaVert"/>
+          <a:lstStyle/>
+          <a:p>
+            <a:pPr lvl="0"/>
+            <a:r>
+              <a:rPr lang="en-GB"/>
+              <a:t>Click to edit Master text styles</a:t>
+            </a:r>
+          </a:p>
+          <a:p>
+            <a:pPr lvl="1"/>
+            <a:r>
+              <a:rPr lang="en-GB"/>
+              <a:t>Second level</a:t>
+            </a:r>
+          </a:p>
+          <a:p>
+            <a:pPr lvl="2"/>
+            <a:r>
+              <a:rPr lang="en-GB"/>
+              <a:t>Third level</a:t>
+            </a:r>
+          </a:p>
+          <a:p>
+            <a:pPr lvl="3"/>
+            <a:r>
+              <a:rPr lang="en-GB"/>
+              <a:t>Fourth level</a:t>
+            </a:r>
+          </a:p>
+          <a:p>
+            <a:pPr lvl="4"/>
+            <a:r>
+              <a:rPr lang="en-GB"/>
+              <a:t>Fifth level</a:t>
+            </a:r>
+          </a:p>
+        </p:txBody>
+      </p:sp>
+      <p:sp>
+        <p:nvSpPr>
+          <p:cNvPr id="4" name="Date Placeholder 3">
+            <a:extLst>
+              <a:ext uri="{FF2B5EF4-FFF2-40B4-BE49-F238E27FC236}">
+                <a16:creationId xmlns:a16="http://schemas.microsoft.com/office/drawing/2014/main" id="{71D258D6-38D4-37AE-9F5A-028938CC288A}"/>
+              </a:ext>
+            </a:extLst>
+          </p:cNvPr>
+          <p:cNvSpPr>
+            <a:spLocks noGrp="1"/>
+          </p:cNvSpPr>
+          <p:nvPr>
+            <p:ph type="dt" sz="half" idx="10"/>
+          </p:nvPr>
+        </p:nvSpPr>
+        <p:spPr/>
+        <p:txBody>
+          <a:bodyPr/>
+          <a:lstStyle/>
+          <a:p>
+            <a:fld id="{B2B9EC86-279D-1C4C-8940-EB3087A9E53E}" type="datetimeFigureOut">
+              <a:rPr lang="en-GB" smtClean="0"/>
+              <a:t>27/11/2023</a:t>
+            </a:fld>
+            <a:endParaRPr lang="en-GB"/>
+          </a:p>
+        </p:txBody>
+      </p:sp>
+      <p:sp>
+        <p:nvSpPr>
+          <p:cNvPr id="5" name="Footer Placeholder 4">
+            <a:extLst>
+              <a:ext uri="{FF2B5EF4-FFF2-40B4-BE49-F238E27FC236}">
+                <a16:creationId xmlns:a16="http://schemas.microsoft.com/office/drawing/2014/main" id="{DCC768C9-E5B1-5F2A-8B45-28E9592E7916}"/>
+              </a:ext>
+            </a:extLst>
+          </p:cNvPr>
+          <p:cNvSpPr>
+            <a:spLocks noGrp="1"/>
+          </p:cNvSpPr>
+          <p:nvPr>
+            <p:ph type="ftr" sz="quarter" idx="11"/>
+          </p:nvPr>
+        </p:nvSpPr>
+        <p:spPr/>
+        <p:txBody>
+          <a:bodyPr/>
+          <a:lstStyle/>
+          <a:p>
+            <a:endParaRPr lang="en-GB"/>
+          </a:p>
+        </p:txBody>
+      </p:sp>
+      <p:sp>
+        <p:nvSpPr>
+          <p:cNvPr id="6" name="Slide Number Placeholder 5">
+            <a:extLst>
+              <a:ext uri="{FF2B5EF4-FFF2-40B4-BE49-F238E27FC236}">
+                <a16:creationId xmlns:a16="http://schemas.microsoft.com/office/drawing/2014/main" id="{E2CB23E1-7997-4A49-B91B-F22BE9CFECA4}"/>
+              </a:ext>
+            </a:extLst>
+          </p:cNvPr>
+          <p:cNvSpPr>
+            <a:spLocks noGrp="1"/>
+          </p:cNvSpPr>
+          <p:nvPr>
+            <p:ph type="sldNum" sz="quarter" idx="12"/>
+          </p:nvPr>
+        </p:nvSpPr>
+        <p:spPr/>
+        <p:txBody>
+          <a:bodyPr/>
+          <a:lstStyle/>
+          <a:p>
+            <a:fld id="{815D9A1C-3CCE-984D-8E62-4EFE2F4188D1}" type="slidenum">
+              <a:rPr lang="en-GB" smtClean="0"/>
+              <a:t>‹#›</a:t>
+            </a:fld>
+            <a:endParaRPr lang="en-GB"/>
+          </a:p>
+        </p:txBody>
+      </p:sp>
+    </p:spTree>
+    <p:extLst>
+      <p:ext uri="{BB962C8B-B14F-4D97-AF65-F5344CB8AC3E}">
+        <p14:creationId xmlns:p14="http://schemas.microsoft.com/office/powerpoint/2010/main" val="3481961501"/>
+      </p:ext>
+    </p:extLst>
+  </p:cSld>
+  <p:clrMapOvr>
+    <a:masterClrMapping/>
+  </p:clrMapOvr>
+</p:sldLayout>
+</file>
+
+<file path=ppt/slideLayouts/slideLayout2.xml><?xml version="1.0" encoding="utf-8"?>
+<p:sldLayout xmlns:a="http://schemas.openxmlformats.org/drawingml/2006/main" xmlns:r="http://schemas.openxmlformats.org/officeDocument/2006/relationships" xmlns:p="http://schemas.openxmlformats.org/presentationml/2006/main" type="obj" preserve="1">
+  <p:cSld name="Title and Content">
+    <p:spTree>
+      <p:nvGrpSpPr>
+        <p:cNvPr id="1" name=""/>
+        <p:cNvGrpSpPr/>
+        <p:nvPr/>
+      </p:nvGrpSpPr>
+      <p:grpSpPr>
+        <a:xfrm>
+          <a:off x="0" y="0"/>
+          <a:ext cx="0" cy="0"/>
+          <a:chOff x="0" y="0"/>
+          <a:chExt cx="0" cy="0"/>
+        </a:xfrm>
+      </p:grpSpPr>
+      <p:sp>
+        <p:nvSpPr>
+          <p:cNvPr id="2" name="Title 1">
+            <a:extLst>
+              <a:ext uri="{FF2B5EF4-FFF2-40B4-BE49-F238E27FC236}">
+                <a16:creationId xmlns:a16="http://schemas.microsoft.com/office/drawing/2014/main" id="{5BF606FF-1BE5-1D0F-A3E4-02D1929031B3}"/>
+              </a:ext>
+            </a:extLst>
+          </p:cNvPr>
+          <p:cNvSpPr>
+            <a:spLocks noGrp="1"/>
+          </p:cNvSpPr>
+          <p:nvPr>
+            <p:ph type="title"/>
+          </p:nvPr>
+        </p:nvSpPr>
+        <p:spPr/>
+        <p:txBody>
+          <a:bodyPr/>
+          <a:lstStyle/>
+          <a:p>
+            <a:r>
+              <a:rPr lang="en-GB"/>
+              <a:t>Click to edit Master title style</a:t>
+            </a:r>
+          </a:p>
+        </p:txBody>
+      </p:sp>
+      <p:sp>
+        <p:nvSpPr>
+          <p:cNvPr id="3" name="Content Placeholder 2">
+            <a:extLst>
+              <a:ext uri="{FF2B5EF4-FFF2-40B4-BE49-F238E27FC236}">
+                <a16:creationId xmlns:a16="http://schemas.microsoft.com/office/drawing/2014/main" id="{C5002368-3487-9345-A5E8-A8C42789878C}"/>
+              </a:ext>
+            </a:extLst>
+          </p:cNvPr>
+          <p:cNvSpPr>
+            <a:spLocks noGrp="1"/>
+          </p:cNvSpPr>
+          <p:nvPr>
+            <p:ph idx="1"/>
+          </p:nvPr>
+        </p:nvSpPr>
+        <p:spPr/>
+        <p:txBody>
+          <a:bodyPr/>
+          <a:lstStyle/>
+          <a:p>
+            <a:pPr lvl="0"/>
+            <a:r>
+              <a:rPr lang="en-GB"/>
+              <a:t>Click to edit Master text styles</a:t>
+            </a:r>
+          </a:p>
+          <a:p>
+            <a:pPr lvl="1"/>
+            <a:r>
+              <a:rPr lang="en-GB"/>
+              <a:t>Second level</a:t>
+            </a:r>
+          </a:p>
+          <a:p>
+            <a:pPr lvl="2"/>
+            <a:r>
+              <a:rPr lang="en-GB"/>
+              <a:t>Third level</a:t>
+            </a:r>
+          </a:p>
+          <a:p>
+            <a:pPr lvl="3"/>
+            <a:r>
+              <a:rPr lang="en-GB"/>
+              <a:t>Fourth level</a:t>
+            </a:r>
+          </a:p>
+          <a:p>
+            <a:pPr lvl="4"/>
+            <a:r>
+              <a:rPr lang="en-GB"/>
+              <a:t>Fifth level</a:t>
+            </a:r>
+          </a:p>
+        </p:txBody>
+      </p:sp>
+      <p:sp>
+        <p:nvSpPr>
+          <p:cNvPr id="4" name="Date Placeholder 3">
+            <a:extLst>
+              <a:ext uri="{FF2B5EF4-FFF2-40B4-BE49-F238E27FC236}">
+                <a16:creationId xmlns:a16="http://schemas.microsoft.com/office/drawing/2014/main" id="{CCF98D69-7D39-489E-A763-1125613C04B3}"/>
+              </a:ext>
+            </a:extLst>
+          </p:cNvPr>
+          <p:cNvSpPr>
+            <a:spLocks noGrp="1"/>
+          </p:cNvSpPr>
+          <p:nvPr>
+            <p:ph type="dt" sz="half" idx="10"/>
+          </p:nvPr>
+        </p:nvSpPr>
+        <p:spPr/>
+        <p:txBody>
+          <a:bodyPr/>
+          <a:lstStyle/>
+          <a:p>
+            <a:fld id="{B2B9EC86-279D-1C4C-8940-EB3087A9E53E}" type="datetimeFigureOut">
+              <a:rPr lang="en-GB" smtClean="0"/>
+              <a:t>27/11/2023</a:t>
+            </a:fld>
+            <a:endParaRPr lang="en-GB"/>
+          </a:p>
+        </p:txBody>
+      </p:sp>
+      <p:sp>
+        <p:nvSpPr>
+          <p:cNvPr id="5" name="Footer Placeholder 4">
+            <a:extLst>
+              <a:ext uri="{FF2B5EF4-FFF2-40B4-BE49-F238E27FC236}">
+                <a16:creationId xmlns:a16="http://schemas.microsoft.com/office/drawing/2014/main" id="{A940105A-532E-8C59-F6E7-4480DA2E5399}"/>
+              </a:ext>
+            </a:extLst>
+          </p:cNvPr>
+          <p:cNvSpPr>
+            <a:spLocks noGrp="1"/>
+          </p:cNvSpPr>
+          <p:nvPr>
+            <p:ph type="ftr" sz="quarter" idx="11"/>
+          </p:nvPr>
+        </p:nvSpPr>
+        <p:spPr/>
+        <p:txBody>
+          <a:bodyPr/>
+          <a:lstStyle/>
+          <a:p>
+            <a:endParaRPr lang="en-GB"/>
+          </a:p>
+        </p:txBody>
+      </p:sp>
+      <p:sp>
+        <p:nvSpPr>
+          <p:cNvPr id="6" name="Slide Number Placeholder 5">
+            <a:extLst>
+              <a:ext uri="{FF2B5EF4-FFF2-40B4-BE49-F238E27FC236}">
+                <a16:creationId xmlns:a16="http://schemas.microsoft.com/office/drawing/2014/main" id="{461FAE59-7568-C674-D063-005908D51110}"/>
+              </a:ext>
+            </a:extLst>
+          </p:cNvPr>
+          <p:cNvSpPr>
+            <a:spLocks noGrp="1"/>
+          </p:cNvSpPr>
+          <p:nvPr>
+            <p:ph type="sldNum" sz="quarter" idx="12"/>
+          </p:nvPr>
+        </p:nvSpPr>
+        <p:spPr/>
+        <p:txBody>
+          <a:bodyPr/>
+          <a:lstStyle/>
+          <a:p>
+            <a:fld id="{815D9A1C-3CCE-984D-8E62-4EFE2F4188D1}" type="slidenum">
+              <a:rPr lang="en-GB" smtClean="0"/>
+              <a:t>‹#›</a:t>
+            </a:fld>
+            <a:endParaRPr lang="en-GB"/>
+          </a:p>
+        </p:txBody>
+      </p:sp>
+    </p:spTree>
+    <p:extLst>
+      <p:ext uri="{BB962C8B-B14F-4D97-AF65-F5344CB8AC3E}">
+        <p14:creationId xmlns:p14="http://schemas.microsoft.com/office/powerpoint/2010/main" val="3796044972"/>
+      </p:ext>
+    </p:extLst>
+  </p:cSld>
+  <p:clrMapOvr>
+    <a:masterClrMapping/>
+  </p:clrMapOvr>
+</p:sldLayout>
+</file>
+
+<file path=ppt/slideLayouts/slideLayout3.xml><?xml version="1.0" encoding="utf-8"?>
+<p:sldLayout xmlns:a="http://schemas.openxmlformats.org/drawingml/2006/main" xmlns:r="http://schemas.openxmlformats.org/officeDocument/2006/relationships" xmlns:p="http://schemas.openxmlformats.org/presentationml/2006/main" type="secHead" preserve="1">
+  <p:cSld name="Section Header">
+    <p:spTree>
+      <p:nvGrpSpPr>
+        <p:cNvPr id="1" name=""/>
+        <p:cNvGrpSpPr/>
+        <p:nvPr/>
+      </p:nvGrpSpPr>
+      <p:grpSpPr>
+        <a:xfrm>
+          <a:off x="0" y="0"/>
+          <a:ext cx="0" cy="0"/>
+          <a:chOff x="0" y="0"/>
+          <a:chExt cx="0" cy="0"/>
+        </a:xfrm>
+      </p:grpSpPr>
+      <p:sp>
+        <p:nvSpPr>
+          <p:cNvPr id="2" name="Title 1">
+            <a:extLst>
+              <a:ext uri="{FF2B5EF4-FFF2-40B4-BE49-F238E27FC236}">
+                <a16:creationId xmlns:a16="http://schemas.microsoft.com/office/drawing/2014/main" id="{8E2E8A4D-2571-5A26-A9E8-1F0974C9ADFE}"/>
+              </a:ext>
+            </a:extLst>
+          </p:cNvPr>
+          <p:cNvSpPr>
+            <a:spLocks noGrp="1"/>
+          </p:cNvSpPr>
+          <p:nvPr>
+            <p:ph type="title"/>
+          </p:nvPr>
+        </p:nvSpPr>
+        <p:spPr>
+          <a:xfrm>
+            <a:off x="831850" y="1709738"/>
+            <a:ext cx="10515600" cy="2852737"/>
+          </a:xfrm>
+        </p:spPr>
+        <p:txBody>
+          <a:bodyPr anchor="b"/>
+          <a:lstStyle>
+            <a:lvl1pPr>
+              <a:defRPr sz="6000"/>
+            </a:lvl1pPr>
+          </a:lstStyle>
+          <a:p>
+            <a:r>
+              <a:rPr lang="en-GB"/>
+              <a:t>Click to edit Master title style</a:t>
+            </a:r>
+          </a:p>
+        </p:txBody>
+      </p:sp>
+      <p:sp>
+        <p:nvSpPr>
+          <p:cNvPr id="3" name="Text Placeholder 2">
+            <a:extLst>
+              <a:ext uri="{FF2B5EF4-FFF2-40B4-BE49-F238E27FC236}">
+                <a16:creationId xmlns:a16="http://schemas.microsoft.com/office/drawing/2014/main" id="{24360900-8201-8B5D-1833-E2E702CF8594}"/>
+              </a:ext>
+            </a:extLst>
+          </p:cNvPr>
+          <p:cNvSpPr>
+            <a:spLocks noGrp="1"/>
+          </p:cNvSpPr>
+          <p:nvPr>
+            <p:ph type="body" idx="1"/>
+          </p:nvPr>
+        </p:nvSpPr>
+        <p:spPr>
+          <a:xfrm>
+            <a:off x="831850" y="4589463"/>
+            <a:ext cx="10515600" cy="1500187"/>
+          </a:xfrm>
+        </p:spPr>
+        <p:txBody>
+          <a:bodyPr/>
+          <a:lstStyle>
+            <a:lvl1pPr marL="0" indent="0">
+              <a:buNone/>
+              <a:defRPr sz="2400">
+                <a:solidFill>
+                  <a:schemeClr val="tx1">
+                    <a:tint val="75000"/>
+                  </a:schemeClr>
+                </a:solidFill>
+              </a:defRPr>
+            </a:lvl1pPr>
+            <a:lvl2pPr marL="457200" indent="0">
+              <a:buNone/>
+              <a:defRPr sz="2000">
+                <a:solidFill>
+                  <a:schemeClr val="tx1">
+                    <a:tint val="75000"/>
+                  </a:schemeClr>
+                </a:solidFill>
+              </a:defRPr>
+            </a:lvl2pPr>
+            <a:lvl3pPr marL="914400" indent="0">
+              <a:buNone/>
+              <a:defRPr sz="1800">
+                <a:solidFill>
+                  <a:schemeClr val="tx1">
+                    <a:tint val="75000"/>
+                  </a:schemeClr>
+                </a:solidFill>
+              </a:defRPr>
+            </a:lvl3pPr>
+            <a:lvl4pPr marL="1371600" indent="0">
+              <a:buNone/>
+              <a:defRPr sz="1600">
+                <a:solidFill>
+                  <a:schemeClr val="tx1">
+                    <a:tint val="75000"/>
+                  </a:schemeClr>
+                </a:solidFill>
+              </a:defRPr>
+            </a:lvl4pPr>
+            <a:lvl5pPr marL="1828800" indent="0">
+              <a:buNone/>
+              <a:defRPr sz="1600">
+                <a:solidFill>
+                  <a:schemeClr val="tx1">
+                    <a:tint val="75000"/>
+                  </a:schemeClr>
+                </a:solidFill>
+              </a:defRPr>
+            </a:lvl5pPr>
+            <a:lvl6pPr marL="2286000" indent="0">
+              <a:buNone/>
+              <a:defRPr sz="1600">
+                <a:solidFill>
+                  <a:schemeClr val="tx1">
+                    <a:tint val="75000"/>
+                  </a:schemeClr>
+                </a:solidFill>
+              </a:defRPr>
+            </a:lvl6pPr>
+            <a:lvl7pPr marL="2743200" indent="0">
+              <a:buNone/>
+              <a:defRPr sz="1600">
+                <a:solidFill>
+                  <a:schemeClr val="tx1">
+                    <a:tint val="75000"/>
+                  </a:schemeClr>
+                </a:solidFill>
+              </a:defRPr>
+            </a:lvl7pPr>
+            <a:lvl8pPr marL="3200400" indent="0">
+              <a:buNone/>
+              <a:defRPr sz="1600">
+                <a:solidFill>
+                  <a:schemeClr val="tx1">
+                    <a:tint val="75000"/>
+                  </a:schemeClr>
+                </a:solidFill>
+              </a:defRPr>
+            </a:lvl8pPr>
+            <a:lvl9pPr marL="3657600" indent="0">
+              <a:buNone/>
+              <a:defRPr sz="1600">
+                <a:solidFill>
+                  <a:schemeClr val="tx1">
+                    <a:tint val="75000"/>
+                  </a:schemeClr>
+                </a:solidFill>
+              </a:defRPr>
+            </a:lvl9pPr>
+          </a:lstStyle>
+          <a:p>
+            <a:pPr lvl="0"/>
+            <a:r>
+              <a:rPr lang="en-GB"/>
+              <a:t>Click to edit Master text styles</a:t>
+            </a:r>
+          </a:p>
+        </p:txBody>
+      </p:sp>
+      <p:sp>
+        <p:nvSpPr>
+          <p:cNvPr id="4" name="Date Placeholder 3">
+            <a:extLst>
+              <a:ext uri="{FF2B5EF4-FFF2-40B4-BE49-F238E27FC236}">
+                <a16:creationId xmlns:a16="http://schemas.microsoft.com/office/drawing/2014/main" id="{B7997308-505D-E8DB-AFE4-C09DD92CBE35}"/>
+              </a:ext>
+            </a:extLst>
+          </p:cNvPr>
+          <p:cNvSpPr>
+            <a:spLocks noGrp="1"/>
+          </p:cNvSpPr>
+          <p:nvPr>
+            <p:ph type="dt" sz="half" idx="10"/>
+          </p:nvPr>
+        </p:nvSpPr>
+        <p:spPr/>
+        <p:txBody>
+          <a:bodyPr/>
+          <a:lstStyle/>
+          <a:p>
+            <a:fld id="{B2B9EC86-279D-1C4C-8940-EB3087A9E53E}" type="datetimeFigureOut">
+              <a:rPr lang="en-GB" smtClean="0"/>
+              <a:t>27/11/2023</a:t>
+            </a:fld>
+            <a:endParaRPr lang="en-GB"/>
+          </a:p>
+        </p:txBody>
+      </p:sp>
+      <p:sp>
+        <p:nvSpPr>
+          <p:cNvPr id="5" name="Footer Placeholder 4">
+            <a:extLst>
+              <a:ext uri="{FF2B5EF4-FFF2-40B4-BE49-F238E27FC236}">
+                <a16:creationId xmlns:a16="http://schemas.microsoft.com/office/drawing/2014/main" id="{07423030-EDE3-07C6-8F66-E227B9E70966}"/>
+              </a:ext>
+            </a:extLst>
+          </p:cNvPr>
+          <p:cNvSpPr>
+            <a:spLocks noGrp="1"/>
+          </p:cNvSpPr>
+          <p:nvPr>
+            <p:ph type="ftr" sz="quarter" idx="11"/>
+          </p:nvPr>
+        </p:nvSpPr>
+        <p:spPr/>
+        <p:txBody>
+          <a:bodyPr/>
+          <a:lstStyle/>
+          <a:p>
+            <a:endParaRPr lang="en-GB"/>
+          </a:p>
+        </p:txBody>
+      </p:sp>
+      <p:sp>
+        <p:nvSpPr>
+          <p:cNvPr id="6" name="Slide Number Placeholder 5">
+            <a:extLst>
+              <a:ext uri="{FF2B5EF4-FFF2-40B4-BE49-F238E27FC236}">
+                <a16:creationId xmlns:a16="http://schemas.microsoft.com/office/drawing/2014/main" id="{0DB99DD5-8720-15C7-742C-728BD3857B0D}"/>
+              </a:ext>
+            </a:extLst>
+          </p:cNvPr>
+          <p:cNvSpPr>
+            <a:spLocks noGrp="1"/>
+          </p:cNvSpPr>
+          <p:nvPr>
+            <p:ph type="sldNum" sz="quarter" idx="12"/>
+          </p:nvPr>
+        </p:nvSpPr>
+        <p:spPr/>
+        <p:txBody>
+          <a:bodyPr/>
+          <a:lstStyle/>
+          <a:p>
+            <a:fld id="{815D9A1C-3CCE-984D-8E62-4EFE2F4188D1}" type="slidenum">
+              <a:rPr lang="en-GB" smtClean="0"/>
+              <a:t>‹#›</a:t>
+            </a:fld>
+            <a:endParaRPr lang="en-GB"/>
+          </a:p>
+        </p:txBody>
+      </p:sp>
+    </p:spTree>
+    <p:extLst>
+      <p:ext uri="{BB962C8B-B14F-4D97-AF65-F5344CB8AC3E}">
+        <p14:creationId xmlns:p14="http://schemas.microsoft.com/office/powerpoint/2010/main" val="2186283403"/>
+      </p:ext>
+    </p:extLst>
+  </p:cSld>
+  <p:clrMapOvr>
+    <a:masterClrMapping/>
+  </p:clrMapOvr>
+</p:sldLayout>
+</file>
+
+<file path=ppt/slideLayouts/slideLayout4.xml><?xml version="1.0" encoding="utf-8"?>
+<p:sldLayout xmlns:a="http://schemas.openxmlformats.org/drawingml/2006/main" xmlns:r="http://schemas.openxmlformats.org/officeDocument/2006/relationships" xmlns:p="http://schemas.openxmlformats.org/presentationml/2006/main" type="twoObj" preserve="1">
+  <p:cSld name="Two Content">
+    <p:spTree>
+      <p:nvGrpSpPr>
+        <p:cNvPr id="1" name=""/>
+        <p:cNvGrpSpPr/>
+        <p:nvPr/>
+      </p:nvGrpSpPr>
+      <p:grpSpPr>
+        <a:xfrm>
+          <a:off x="0" y="0"/>
+          <a:ext cx="0" cy="0"/>
+          <a:chOff x="0" y="0"/>
+          <a:chExt cx="0" cy="0"/>
+        </a:xfrm>
+      </p:grpSpPr>
+      <p:sp>
+        <p:nvSpPr>
+          <p:cNvPr id="2" name="Title 1">
+            <a:extLst>
+              <a:ext uri="{FF2B5EF4-FFF2-40B4-BE49-F238E27FC236}">
+                <a16:creationId xmlns:a16="http://schemas.microsoft.com/office/drawing/2014/main" id="{C44FE029-EFA0-F532-2109-B3FBDC5C0057}"/>
+              </a:ext>
+            </a:extLst>
+          </p:cNvPr>
+          <p:cNvSpPr>
+            <a:spLocks noGrp="1"/>
+          </p:cNvSpPr>
+          <p:nvPr>
+            <p:ph type="title"/>
+          </p:nvPr>
+        </p:nvSpPr>
+        <p:spPr/>
+        <p:txBody>
+          <a:bodyPr/>
+          <a:lstStyle/>
+          <a:p>
+            <a:r>
+              <a:rPr lang="en-GB"/>
+              <a:t>Click to edit Master title style</a:t>
+            </a:r>
+          </a:p>
+        </p:txBody>
+      </p:sp>
+      <p:sp>
+        <p:nvSpPr>
+          <p:cNvPr id="3" name="Content Placeholder 2">
+            <a:extLst>
+              <a:ext uri="{FF2B5EF4-FFF2-40B4-BE49-F238E27FC236}">
+                <a16:creationId xmlns:a16="http://schemas.microsoft.com/office/drawing/2014/main" id="{0521A8A0-7B10-B611-5260-BC840A3CA46A}"/>
+              </a:ext>
+            </a:extLst>
+          </p:cNvPr>
+          <p:cNvSpPr>
+            <a:spLocks noGrp="1"/>
+          </p:cNvSpPr>
+          <p:nvPr>
+            <p:ph sz="half" idx="1"/>
+          </p:nvPr>
+        </p:nvSpPr>
+        <p:spPr>
+          <a:xfrm>
+            <a:off x="838200" y="1825625"/>
+            <a:ext cx="5181600" cy="4351338"/>
+          </a:xfrm>
+        </p:spPr>
+        <p:txBody>
+          <a:bodyPr/>
+          <a:lstStyle/>
+          <a:p>
+            <a:pPr lvl="0"/>
+            <a:r>
+              <a:rPr lang="en-GB"/>
+              <a:t>Click to edit Master text styles</a:t>
+            </a:r>
+          </a:p>
+          <a:p>
+            <a:pPr lvl="1"/>
+            <a:r>
+              <a:rPr lang="en-GB"/>
+              <a:t>Second level</a:t>
+            </a:r>
+          </a:p>
+          <a:p>
+            <a:pPr lvl="2"/>
+            <a:r>
+              <a:rPr lang="en-GB"/>
+              <a:t>Third level</a:t>
+            </a:r>
+          </a:p>
+          <a:p>
+            <a:pPr lvl="3"/>
+            <a:r>
+              <a:rPr lang="en-GB"/>
+              <a:t>Fourth level</a:t>
+            </a:r>
+          </a:p>
+          <a:p>
+            <a:pPr lvl="4"/>
+            <a:r>
+              <a:rPr lang="en-GB"/>
+              <a:t>Fifth level</a:t>
+            </a:r>
+          </a:p>
+        </p:txBody>
+      </p:sp>
+      <p:sp>
+        <p:nvSpPr>
+          <p:cNvPr id="4" name="Content Placeholder 3">
+            <a:extLst>
+              <a:ext uri="{FF2B5EF4-FFF2-40B4-BE49-F238E27FC236}">
+                <a16:creationId xmlns:a16="http://schemas.microsoft.com/office/drawing/2014/main" id="{201733D9-1821-6238-5DB3-73E0E800C79C}"/>
+              </a:ext>
+            </a:extLst>
+          </p:cNvPr>
+          <p:cNvSpPr>
+            <a:spLocks noGrp="1"/>
+          </p:cNvSpPr>
+          <p:nvPr>
+            <p:ph sz="half" idx="2"/>
+          </p:nvPr>
+        </p:nvSpPr>
+        <p:spPr>
+          <a:xfrm>
+            <a:off x="6172200" y="1825625"/>
+            <a:ext cx="5181600" cy="4351338"/>
+          </a:xfrm>
+        </p:spPr>
+        <p:txBody>
+          <a:bodyPr/>
+          <a:lstStyle/>
+          <a:p>
+            <a:pPr lvl="0"/>
+            <a:r>
+              <a:rPr lang="en-GB"/>
+              <a:t>Click to edit Master text styles</a:t>
+            </a:r>
+          </a:p>
+          <a:p>
+            <a:pPr lvl="1"/>
+            <a:r>
+              <a:rPr lang="en-GB"/>
+              <a:t>Second level</a:t>
+            </a:r>
+          </a:p>
+          <a:p>
+            <a:pPr lvl="2"/>
+            <a:r>
+              <a:rPr lang="en-GB"/>
+              <a:t>Third level</a:t>
+            </a:r>
+          </a:p>
+          <a:p>
+            <a:pPr lvl="3"/>
+            <a:r>
+              <a:rPr lang="en-GB"/>
+              <a:t>Fourth level</a:t>
+            </a:r>
+          </a:p>
+          <a:p>
+            <a:pPr lvl="4"/>
+            <a:r>
+              <a:rPr lang="en-GB"/>
+              <a:t>Fifth level</a:t>
+            </a:r>
+          </a:p>
+        </p:txBody>
+      </p:sp>
+      <p:sp>
+        <p:nvSpPr>
+          <p:cNvPr id="5" name="Date Placeholder 4">
+            <a:extLst>
+              <a:ext uri="{FF2B5EF4-FFF2-40B4-BE49-F238E27FC236}">
+                <a16:creationId xmlns:a16="http://schemas.microsoft.com/office/drawing/2014/main" id="{FBF726A4-5296-4FA2-060C-17C593039F1D}"/>
+              </a:ext>
+            </a:extLst>
+          </p:cNvPr>
+          <p:cNvSpPr>
+            <a:spLocks noGrp="1"/>
+          </p:cNvSpPr>
+          <p:nvPr>
+            <p:ph type="dt" sz="half" idx="10"/>
+          </p:nvPr>
+        </p:nvSpPr>
+        <p:spPr/>
+        <p:txBody>
+          <a:bodyPr/>
+          <a:lstStyle/>
+          <a:p>
+            <a:fld id="{B2B9EC86-279D-1C4C-8940-EB3087A9E53E}" type="datetimeFigureOut">
+              <a:rPr lang="en-GB" smtClean="0"/>
+              <a:t>27/11/2023</a:t>
+            </a:fld>
+            <a:endParaRPr lang="en-GB"/>
+          </a:p>
+        </p:txBody>
+      </p:sp>
+      <p:sp>
+        <p:nvSpPr>
+          <p:cNvPr id="6" name="Footer Placeholder 5">
+            <a:extLst>
+              <a:ext uri="{FF2B5EF4-FFF2-40B4-BE49-F238E27FC236}">
+                <a16:creationId xmlns:a16="http://schemas.microsoft.com/office/drawing/2014/main" id="{A158AEC4-7B55-99A6-5E0D-B1A0C333E4E0}"/>
+              </a:ext>
+            </a:extLst>
+          </p:cNvPr>
+          <p:cNvSpPr>
+            <a:spLocks noGrp="1"/>
+          </p:cNvSpPr>
+          <p:nvPr>
+            <p:ph type="ftr" sz="quarter" idx="11"/>
+          </p:nvPr>
+        </p:nvSpPr>
+        <p:spPr/>
+        <p:txBody>
+          <a:bodyPr/>
+          <a:lstStyle/>
+          <a:p>
+            <a:endParaRPr lang="en-GB"/>
+          </a:p>
+        </p:txBody>
+      </p:sp>
+      <p:sp>
+        <p:nvSpPr>
+          <p:cNvPr id="7" name="Slide Number Placeholder 6">
+            <a:extLst>
+              <a:ext uri="{FF2B5EF4-FFF2-40B4-BE49-F238E27FC236}">
+                <a16:creationId xmlns:a16="http://schemas.microsoft.com/office/drawing/2014/main" id="{52890CE3-B323-58DD-47F4-0CB1EACA592F}"/>
+              </a:ext>
+            </a:extLst>
+          </p:cNvPr>
+          <p:cNvSpPr>
+            <a:spLocks noGrp="1"/>
+          </p:cNvSpPr>
+          <p:nvPr>
+            <p:ph type="sldNum" sz="quarter" idx="12"/>
+          </p:nvPr>
+        </p:nvSpPr>
+        <p:spPr/>
+        <p:txBody>
+          <a:bodyPr/>
+          <a:lstStyle/>
+          <a:p>
+            <a:fld id="{815D9A1C-3CCE-984D-8E62-4EFE2F4188D1}" type="slidenum">
+              <a:rPr lang="en-GB" smtClean="0"/>
+              <a:t>‹#›</a:t>
+            </a:fld>
+            <a:endParaRPr lang="en-GB"/>
+          </a:p>
+        </p:txBody>
+      </p:sp>
+    </p:spTree>
+    <p:extLst>
+      <p:ext uri="{BB962C8B-B14F-4D97-AF65-F5344CB8AC3E}">
+        <p14:creationId xmlns:p14="http://schemas.microsoft.com/office/powerpoint/2010/main" val="3912941220"/>
+      </p:ext>
+    </p:extLst>
+  </p:cSld>
+  <p:clrMapOvr>
+    <a:masterClrMapping/>
+  </p:clrMapOvr>
+</p:sldLayout>
+</file>
+
+<file path=ppt/slideLayouts/slideLayout5.xml><?xml version="1.0" encoding="utf-8"?>
+<p:sldLayout xmlns:a="http://schemas.openxmlformats.org/drawingml/2006/main" xmlns:r="http://schemas.openxmlformats.org/officeDocument/2006/relationships" xmlns:p="http://schemas.openxmlformats.org/presentationml/2006/main" type="twoTxTwoObj" preserve="1">
+  <p:cSld name="Comparison">
+    <p:spTree>
+      <p:nvGrpSpPr>
+        <p:cNvPr id="1" name=""/>
+        <p:cNvGrpSpPr/>
+        <p:nvPr/>
+      </p:nvGrpSpPr>
+      <p:grpSpPr>
+        <a:xfrm>
+          <a:off x="0" y="0"/>
+          <a:ext cx="0" cy="0"/>
+          <a:chOff x="0" y="0"/>
+          <a:chExt cx="0" cy="0"/>
+        </a:xfrm>
+      </p:grpSpPr>
+      <p:sp>
+        <p:nvSpPr>
+          <p:cNvPr id="2" name="Title 1">
+            <a:extLst>
+              <a:ext uri="{FF2B5EF4-FFF2-40B4-BE49-F238E27FC236}">
+                <a16:creationId xmlns:a16="http://schemas.microsoft.com/office/drawing/2014/main" id="{4A8A6B21-570C-AF7D-3702-122A34112C8D}"/>
+              </a:ext>
+            </a:extLst>
+          </p:cNvPr>
+          <p:cNvSpPr>
+            <a:spLocks noGrp="1"/>
+          </p:cNvSpPr>
+          <p:nvPr>
+            <p:ph type="title"/>
+          </p:nvPr>
+        </p:nvSpPr>
+        <p:spPr>
+          <a:xfrm>
+            <a:off x="839788" y="365125"/>
+            <a:ext cx="10515600" cy="1325563"/>
+          </a:xfrm>
+        </p:spPr>
+        <p:txBody>
+          <a:bodyPr/>
+          <a:lstStyle/>
+          <a:p>
+            <a:r>
+              <a:rPr lang="en-GB"/>
+              <a:t>Click to edit Master title style</a:t>
+            </a:r>
+          </a:p>
+        </p:txBody>
+      </p:sp>
+      <p:sp>
+        <p:nvSpPr>
+          <p:cNvPr id="3" name="Text Placeholder 2">
+            <a:extLst>
+              <a:ext uri="{FF2B5EF4-FFF2-40B4-BE49-F238E27FC236}">
+                <a16:creationId xmlns:a16="http://schemas.microsoft.com/office/drawing/2014/main" id="{06BDD033-1E0E-030C-9343-6F2D65457466}"/>
+              </a:ext>
+            </a:extLst>
+          </p:cNvPr>
+          <p:cNvSpPr>
+            <a:spLocks noGrp="1"/>
+          </p:cNvSpPr>
+          <p:nvPr>
+            <p:ph type="body" idx="1"/>
+          </p:nvPr>
+        </p:nvSpPr>
+        <p:spPr>
+          <a:xfrm>
+            <a:off x="839788" y="1681163"/>
+            <a:ext cx="5157787" cy="823912"/>
+          </a:xfrm>
+        </p:spPr>
+        <p:txBody>
+          <a:bodyPr anchor="b"/>
+          <a:lstStyle>
+            <a:lvl1pPr marL="0" indent="0">
+              <a:buNone/>
+              <a:defRPr sz="2400" b="1"/>
+            </a:lvl1pPr>
+            <a:lvl2pPr marL="457200" indent="0">
+              <a:buNone/>
+              <a:defRPr sz="2000" b="1"/>
+            </a:lvl2pPr>
+            <a:lvl3pPr marL="914400" indent="0">
+              <a:buNone/>
+              <a:defRPr sz="1800" b="1"/>
+            </a:lvl3pPr>
+            <a:lvl4pPr marL="1371600" indent="0">
+              <a:buNone/>
+              <a:defRPr sz="1600" b="1"/>
+            </a:lvl4pPr>
+            <a:lvl5pPr marL="1828800" indent="0">
+              <a:buNone/>
+              <a:defRPr sz="1600" b="1"/>
+            </a:lvl5pPr>
+            <a:lvl6pPr marL="2286000" indent="0">
+              <a:buNone/>
+              <a:defRPr sz="1600" b="1"/>
+            </a:lvl6pPr>
+            <a:lvl7pPr marL="2743200" indent="0">
+              <a:buNone/>
+              <a:defRPr sz="1600" b="1"/>
+            </a:lvl7pPr>
+            <a:lvl8pPr marL="3200400" indent="0">
+              <a:buNone/>
+              <a:defRPr sz="1600" b="1"/>
+            </a:lvl8pPr>
+            <a:lvl9pPr marL="3657600" indent="0">
+              <a:buNone/>
+              <a:defRPr sz="1600" b="1"/>
+            </a:lvl9pPr>
+          </a:lstStyle>
+          <a:p>
+            <a:pPr lvl="0"/>
+            <a:r>
+              <a:rPr lang="en-GB"/>
+              <a:t>Click to edit Master text styles</a:t>
+            </a:r>
+          </a:p>
+        </p:txBody>
+      </p:sp>
+      <p:sp>
+        <p:nvSpPr>
+          <p:cNvPr id="4" name="Content Placeholder 3">
+            <a:extLst>
+              <a:ext uri="{FF2B5EF4-FFF2-40B4-BE49-F238E27FC236}">
+                <a16:creationId xmlns:a16="http://schemas.microsoft.com/office/drawing/2014/main" id="{F56944D9-661C-B38B-644D-EC86FDD78AB7}"/>
+              </a:ext>
+            </a:extLst>
+          </p:cNvPr>
+          <p:cNvSpPr>
+            <a:spLocks noGrp="1"/>
+          </p:cNvSpPr>
+          <p:nvPr>
+            <p:ph sz="half" idx="2"/>
+          </p:nvPr>
+        </p:nvSpPr>
+        <p:spPr>
+          <a:xfrm>
+            <a:off x="839788" y="2505075"/>
+            <a:ext cx="5157787" cy="3684588"/>
+          </a:xfrm>
+        </p:spPr>
+        <p:txBody>
+          <a:bodyPr/>
+          <a:lstStyle/>
+          <a:p>
+            <a:pPr lvl="0"/>
+            <a:r>
+              <a:rPr lang="en-GB"/>
+              <a:t>Click to edit Master text styles</a:t>
+            </a:r>
+          </a:p>
+          <a:p>
+            <a:pPr lvl="1"/>
+            <a:r>
+              <a:rPr lang="en-GB"/>
+              <a:t>Second level</a:t>
+            </a:r>
+          </a:p>
+          <a:p>
+            <a:pPr lvl="2"/>
+            <a:r>
+              <a:rPr lang="en-GB"/>
+              <a:t>Third level</a:t>
+            </a:r>
+          </a:p>
+          <a:p>
+            <a:pPr lvl="3"/>
+            <a:r>
+              <a:rPr lang="en-GB"/>
+              <a:t>Fourth level</a:t>
+            </a:r>
+          </a:p>
+          <a:p>
+            <a:pPr lvl="4"/>
+            <a:r>
+              <a:rPr lang="en-GB"/>
+              <a:t>Fifth level</a:t>
+            </a:r>
+          </a:p>
+        </p:txBody>
+      </p:sp>
+      <p:sp>
+        <p:nvSpPr>
+          <p:cNvPr id="5" name="Text Placeholder 4">
+            <a:extLst>
+              <a:ext uri="{FF2B5EF4-FFF2-40B4-BE49-F238E27FC236}">
+                <a16:creationId xmlns:a16="http://schemas.microsoft.com/office/drawing/2014/main" id="{4BAFA522-3D27-294D-61CF-64DA77BA6A33}"/>
+              </a:ext>
+            </a:extLst>
+          </p:cNvPr>
+          <p:cNvSpPr>
+            <a:spLocks noGrp="1"/>
+          </p:cNvSpPr>
+          <p:nvPr>
+            <p:ph type="body" sz="quarter" idx="3"/>
+          </p:nvPr>
+        </p:nvSpPr>
+        <p:spPr>
+          <a:xfrm>
+            <a:off x="6172200" y="1681163"/>
+            <a:ext cx="5183188" cy="823912"/>
+          </a:xfrm>
+        </p:spPr>
+        <p:txBody>
+          <a:bodyPr anchor="b"/>
+          <a:lstStyle>
+            <a:lvl1pPr marL="0" indent="0">
+              <a:buNone/>
+              <a:defRPr sz="2400" b="1"/>
+            </a:lvl1pPr>
+            <a:lvl2pPr marL="457200" indent="0">
+              <a:buNone/>
+              <a:defRPr sz="2000" b="1"/>
+            </a:lvl2pPr>
+            <a:lvl3pPr marL="914400" indent="0">
+              <a:buNone/>
+              <a:defRPr sz="1800" b="1"/>
+            </a:lvl3pPr>
+            <a:lvl4pPr marL="1371600" indent="0">
+              <a:buNone/>
+              <a:defRPr sz="1600" b="1"/>
+            </a:lvl4pPr>
+            <a:lvl5pPr marL="1828800" indent="0">
+              <a:buNone/>
+              <a:defRPr sz="1600" b="1"/>
+            </a:lvl5pPr>
+            <a:lvl6pPr marL="2286000" indent="0">
+              <a:buNone/>
+              <a:defRPr sz="1600" b="1"/>
+            </a:lvl6pPr>
+            <a:lvl7pPr marL="2743200" indent="0">
+              <a:buNone/>
+              <a:defRPr sz="1600" b="1"/>
+            </a:lvl7pPr>
+            <a:lvl8pPr marL="3200400" indent="0">
+              <a:buNone/>
+              <a:defRPr sz="1600" b="1"/>
+            </a:lvl8pPr>
+            <a:lvl9pPr marL="3657600" indent="0">
+              <a:buNone/>
+              <a:defRPr sz="1600" b="1"/>
+            </a:lvl9pPr>
+          </a:lstStyle>
+          <a:p>
+            <a:pPr lvl="0"/>
+            <a:r>
+              <a:rPr lang="en-GB"/>
+              <a:t>Click to edit Master text styles</a:t>
+            </a:r>
+          </a:p>
+        </p:txBody>
+      </p:sp>
+      <p:sp>
+        <p:nvSpPr>
+          <p:cNvPr id="6" name="Content Placeholder 5">
+            <a:extLst>
+              <a:ext uri="{FF2B5EF4-FFF2-40B4-BE49-F238E27FC236}">
+                <a16:creationId xmlns:a16="http://schemas.microsoft.com/office/drawing/2014/main" id="{5329F2D0-15A1-3DAF-2DA1-EC4C4A598CC8}"/>
+              </a:ext>
+            </a:extLst>
+          </p:cNvPr>
+          <p:cNvSpPr>
+            <a:spLocks noGrp="1"/>
+          </p:cNvSpPr>
+          <p:nvPr>
+            <p:ph sz="quarter" idx="4"/>
+          </p:nvPr>
+        </p:nvSpPr>
+        <p:spPr>
+          <a:xfrm>
+            <a:off x="6172200" y="2505075"/>
+            <a:ext cx="5183188" cy="3684588"/>
+          </a:xfrm>
+        </p:spPr>
+        <p:txBody>
+          <a:bodyPr/>
+          <a:lstStyle/>
+          <a:p>
+            <a:pPr lvl="0"/>
+            <a:r>
+              <a:rPr lang="en-GB"/>
+              <a:t>Click to edit Master text styles</a:t>
+            </a:r>
+          </a:p>
+          <a:p>
+            <a:pPr lvl="1"/>
+            <a:r>
+              <a:rPr lang="en-GB"/>
+              <a:t>Second level</a:t>
+            </a:r>
+          </a:p>
+          <a:p>
+            <a:pPr lvl="2"/>
+            <a:r>
+              <a:rPr lang="en-GB"/>
+              <a:t>Third level</a:t>
+            </a:r>
+          </a:p>
+          <a:p>
+            <a:pPr lvl="3"/>
+            <a:r>
+              <a:rPr lang="en-GB"/>
+              <a:t>Fourth level</a:t>
+            </a:r>
+          </a:p>
+          <a:p>
+            <a:pPr lvl="4"/>
+            <a:r>
+              <a:rPr lang="en-GB"/>
+              <a:t>Fifth level</a:t>
+            </a:r>
+          </a:p>
+        </p:txBody>
+      </p:sp>
+      <p:sp>
+        <p:nvSpPr>
+          <p:cNvPr id="7" name="Date Placeholder 6">
+            <a:extLst>
+              <a:ext uri="{FF2B5EF4-FFF2-40B4-BE49-F238E27FC236}">
+                <a16:creationId xmlns:a16="http://schemas.microsoft.com/office/drawing/2014/main" id="{1ACFDD2E-8674-096E-6B20-6C7A78AFC17F}"/>
+              </a:ext>
+            </a:extLst>
+          </p:cNvPr>
+          <p:cNvSpPr>
+            <a:spLocks noGrp="1"/>
+          </p:cNvSpPr>
+          <p:nvPr>
+            <p:ph type="dt" sz="half" idx="10"/>
+          </p:nvPr>
+        </p:nvSpPr>
+        <p:spPr/>
+        <p:txBody>
+          <a:bodyPr/>
+          <a:lstStyle/>
+          <a:p>
+            <a:fld id="{B2B9EC86-279D-1C4C-8940-EB3087A9E53E}" type="datetimeFigureOut">
+              <a:rPr lang="en-GB" smtClean="0"/>
+              <a:t>27/11/2023</a:t>
+            </a:fld>
+            <a:endParaRPr lang="en-GB"/>
+          </a:p>
+        </p:txBody>
+      </p:sp>
+      <p:sp>
+        <p:nvSpPr>
+          <p:cNvPr id="8" name="Footer Placeholder 7">
+            <a:extLst>
+              <a:ext uri="{FF2B5EF4-FFF2-40B4-BE49-F238E27FC236}">
+                <a16:creationId xmlns:a16="http://schemas.microsoft.com/office/drawing/2014/main" id="{92B310CD-0114-3F77-8831-D48D81DA1F2B}"/>
+              </a:ext>
+            </a:extLst>
+          </p:cNvPr>
+          <p:cNvSpPr>
+            <a:spLocks noGrp="1"/>
+          </p:cNvSpPr>
+          <p:nvPr>
+            <p:ph type="ftr" sz="quarter" idx="11"/>
+          </p:nvPr>
+        </p:nvSpPr>
+        <p:spPr/>
+        <p:txBody>
+          <a:bodyPr/>
+          <a:lstStyle/>
+          <a:p>
+            <a:endParaRPr lang="en-GB"/>
+          </a:p>
+        </p:txBody>
+      </p:sp>
+      <p:sp>
+        <p:nvSpPr>
+          <p:cNvPr id="9" name="Slide Number Placeholder 8">
+            <a:extLst>
+              <a:ext uri="{FF2B5EF4-FFF2-40B4-BE49-F238E27FC236}">
+                <a16:creationId xmlns:a16="http://schemas.microsoft.com/office/drawing/2014/main" id="{608BF061-60E3-4711-0688-57BBE29F819F}"/>
+              </a:ext>
+            </a:extLst>
+          </p:cNvPr>
+          <p:cNvSpPr>
+            <a:spLocks noGrp="1"/>
+          </p:cNvSpPr>
+          <p:nvPr>
+            <p:ph type="sldNum" sz="quarter" idx="12"/>
+          </p:nvPr>
+        </p:nvSpPr>
+        <p:spPr/>
+        <p:txBody>
+          <a:bodyPr/>
+          <a:lstStyle/>
+          <a:p>
+            <a:fld id="{815D9A1C-3CCE-984D-8E62-4EFE2F4188D1}" type="slidenum">
+              <a:rPr lang="en-GB" smtClean="0"/>
+              <a:t>‹#›</a:t>
+            </a:fld>
+            <a:endParaRPr lang="en-GB"/>
+          </a:p>
+        </p:txBody>
+      </p:sp>
+    </p:spTree>
+    <p:extLst>
+      <p:ext uri="{BB962C8B-B14F-4D97-AF65-F5344CB8AC3E}">
+        <p14:creationId xmlns:p14="http://schemas.microsoft.com/office/powerpoint/2010/main" val="3746160072"/>
+      </p:ext>
+    </p:extLst>
+  </p:cSld>
+  <p:clrMapOvr>
+    <a:masterClrMapping/>
+  </p:clrMapOvr>
+</p:sldLayout>
+</file>
+
+<file path=ppt/slideLayouts/slideLayout6.xml><?xml version="1.0" encoding="utf-8"?>
+<p:sldLayout xmlns:a="http://schemas.openxmlformats.org/drawingml/2006/main" xmlns:r="http://schemas.openxmlformats.org/officeDocument/2006/relationships" xmlns:p="http://schemas.openxmlformats.org/presentationml/2006/main" type="titleOnly" preserve="1">
+  <p:cSld name="Title Only">
+    <p:spTree>
+      <p:nvGrpSpPr>
+        <p:cNvPr id="1" name=""/>
+        <p:cNvGrpSpPr/>
+        <p:nvPr/>
+      </p:nvGrpSpPr>
+      <p:grpSpPr>
+        <a:xfrm>
+          <a:off x="0" y="0"/>
+          <a:ext cx="0" cy="0"/>
+          <a:chOff x="0" y="0"/>
+          <a:chExt cx="0" cy="0"/>
+        </a:xfrm>
+      </p:grpSpPr>
+      <p:sp>
+        <p:nvSpPr>
+          <p:cNvPr id="2" name="Title 1">
+            <a:extLst>
+              <a:ext uri="{FF2B5EF4-FFF2-40B4-BE49-F238E27FC236}">
+                <a16:creationId xmlns:a16="http://schemas.microsoft.com/office/drawing/2014/main" id="{6B8504F9-6D92-67CF-2F80-70F4111664D5}"/>
+              </a:ext>
+            </a:extLst>
+          </p:cNvPr>
+          <p:cNvSpPr>
+            <a:spLocks noGrp="1"/>
+          </p:cNvSpPr>
+          <p:nvPr>
+            <p:ph type="title"/>
+          </p:nvPr>
+        </p:nvSpPr>
+        <p:spPr/>
+        <p:txBody>
+          <a:bodyPr/>
+          <a:lstStyle/>
+          <a:p>
+            <a:r>
+              <a:rPr lang="en-GB"/>
+              <a:t>Click to edit Master title style</a:t>
+            </a:r>
+          </a:p>
+        </p:txBody>
+      </p:sp>
+      <p:sp>
+        <p:nvSpPr>
+          <p:cNvPr id="3" name="Date Placeholder 2">
+            <a:extLst>
+              <a:ext uri="{FF2B5EF4-FFF2-40B4-BE49-F238E27FC236}">
+                <a16:creationId xmlns:a16="http://schemas.microsoft.com/office/drawing/2014/main" id="{C31755A9-5AD6-6642-8B5A-AC0260BCC57C}"/>
+              </a:ext>
+            </a:extLst>
+          </p:cNvPr>
+          <p:cNvSpPr>
+            <a:spLocks noGrp="1"/>
+          </p:cNvSpPr>
+          <p:nvPr>
+            <p:ph type="dt" sz="half" idx="10"/>
+          </p:nvPr>
+        </p:nvSpPr>
+        <p:spPr/>
+        <p:txBody>
+          <a:bodyPr/>
+          <a:lstStyle/>
+          <a:p>
+            <a:fld id="{B2B9EC86-279D-1C4C-8940-EB3087A9E53E}" type="datetimeFigureOut">
+              <a:rPr lang="en-GB" smtClean="0"/>
+              <a:t>27/11/2023</a:t>
+            </a:fld>
+            <a:endParaRPr lang="en-GB"/>
+          </a:p>
+        </p:txBody>
+      </p:sp>
+      <p:sp>
+        <p:nvSpPr>
+          <p:cNvPr id="4" name="Footer Placeholder 3">
+            <a:extLst>
+              <a:ext uri="{FF2B5EF4-FFF2-40B4-BE49-F238E27FC236}">
+                <a16:creationId xmlns:a16="http://schemas.microsoft.com/office/drawing/2014/main" id="{DA9E7780-98F7-80E8-57A3-F5F6503F8BBE}"/>
+              </a:ext>
+            </a:extLst>
+          </p:cNvPr>
+          <p:cNvSpPr>
+            <a:spLocks noGrp="1"/>
+          </p:cNvSpPr>
+          <p:nvPr>
+            <p:ph type="ftr" sz="quarter" idx="11"/>
+          </p:nvPr>
+        </p:nvSpPr>
+        <p:spPr/>
+        <p:txBody>
+          <a:bodyPr/>
+          <a:lstStyle/>
+          <a:p>
+            <a:endParaRPr lang="en-GB"/>
+          </a:p>
+        </p:txBody>
+      </p:sp>
+      <p:sp>
+        <p:nvSpPr>
+          <p:cNvPr id="5" name="Slide Number Placeholder 4">
+            <a:extLst>
+              <a:ext uri="{FF2B5EF4-FFF2-40B4-BE49-F238E27FC236}">
+                <a16:creationId xmlns:a16="http://schemas.microsoft.com/office/drawing/2014/main" id="{9C38EA22-8D48-C536-89E5-B1FF9F9368C8}"/>
+              </a:ext>
+            </a:extLst>
+          </p:cNvPr>
+          <p:cNvSpPr>
+            <a:spLocks noGrp="1"/>
+          </p:cNvSpPr>
+          <p:nvPr>
+            <p:ph type="sldNum" sz="quarter" idx="12"/>
+          </p:nvPr>
+        </p:nvSpPr>
+        <p:spPr/>
+        <p:txBody>
+          <a:bodyPr/>
+          <a:lstStyle/>
+          <a:p>
+            <a:fld id="{815D9A1C-3CCE-984D-8E62-4EFE2F4188D1}" type="slidenum">
+              <a:rPr lang="en-GB" smtClean="0"/>
+              <a:t>‹#›</a:t>
+            </a:fld>
+            <a:endParaRPr lang="en-GB"/>
+          </a:p>
+        </p:txBody>
+      </p:sp>
+    </p:spTree>
+    <p:extLst>
+      <p:ext uri="{BB962C8B-B14F-4D97-AF65-F5344CB8AC3E}">
+        <p14:creationId xmlns:p14="http://schemas.microsoft.com/office/powerpoint/2010/main" val="2350591035"/>
+      </p:ext>
+    </p:extLst>
+  </p:cSld>
+  <p:clrMapOvr>
+    <a:masterClrMapping/>
+  </p:clrMapOvr>
+</p:sldLayout>
+</file>
+
+<file path=ppt/slideLayouts/slideLayout7.xml><?xml version="1.0" encoding="utf-8"?>
+<p:sldLayout xmlns:a="http://schemas.openxmlformats.org/drawingml/2006/main" xmlns:r="http://schemas.openxmlformats.org/officeDocument/2006/relationships" xmlns:p="http://schemas.openxmlformats.org/presentationml/2006/main" type="blank" preserve="1">
+  <p:cSld name="Blank">
+    <p:spTree>
+      <p:nvGrpSpPr>
+        <p:cNvPr id="1" name=""/>
+        <p:cNvGrpSpPr/>
+        <p:nvPr/>
+      </p:nvGrpSpPr>
+      <p:grpSpPr>
+        <a:xfrm>
+          <a:off x="0" y="0"/>
+          <a:ext cx="0" cy="0"/>
+          <a:chOff x="0" y="0"/>
+          <a:chExt cx="0" cy="0"/>
+        </a:xfrm>
+      </p:grpSpPr>
+      <p:sp>
+        <p:nvSpPr>
+          <p:cNvPr id="2" name="Date Placeholder 1">
+            <a:extLst>
+              <a:ext uri="{FF2B5EF4-FFF2-40B4-BE49-F238E27FC236}">
+                <a16:creationId xmlns:a16="http://schemas.microsoft.com/office/drawing/2014/main" id="{C64D737F-30EE-AF65-CC07-21332370DC47}"/>
+              </a:ext>
+            </a:extLst>
+          </p:cNvPr>
+          <p:cNvSpPr>
+            <a:spLocks noGrp="1"/>
+          </p:cNvSpPr>
+          <p:nvPr>
+            <p:ph type="dt" sz="half" idx="10"/>
+          </p:nvPr>
+        </p:nvSpPr>
+        <p:spPr/>
+        <p:txBody>
+          <a:bodyPr/>
+          <a:lstStyle/>
+          <a:p>
+            <a:fld id="{B2B9EC86-279D-1C4C-8940-EB3087A9E53E}" type="datetimeFigureOut">
+              <a:rPr lang="en-GB" smtClean="0"/>
+              <a:t>27/11/2023</a:t>
+            </a:fld>
+            <a:endParaRPr lang="en-GB"/>
+          </a:p>
+        </p:txBody>
+      </p:sp>
+      <p:sp>
+        <p:nvSpPr>
+          <p:cNvPr id="3" name="Footer Placeholder 2">
+            <a:extLst>
+              <a:ext uri="{FF2B5EF4-FFF2-40B4-BE49-F238E27FC236}">
+                <a16:creationId xmlns:a16="http://schemas.microsoft.com/office/drawing/2014/main" id="{B8906414-5467-3140-DF7F-8DEDEAC8AD07}"/>
+              </a:ext>
+            </a:extLst>
+          </p:cNvPr>
+          <p:cNvSpPr>
+            <a:spLocks noGrp="1"/>
+          </p:cNvSpPr>
+          <p:nvPr>
+            <p:ph type="ftr" sz="quarter" idx="11"/>
+          </p:nvPr>
+        </p:nvSpPr>
+        <p:spPr/>
+        <p:txBody>
+          <a:bodyPr/>
+          <a:lstStyle/>
+          <a:p>
+            <a:endParaRPr lang="en-GB"/>
+          </a:p>
+        </p:txBody>
+      </p:sp>
+      <p:sp>
+        <p:nvSpPr>
+          <p:cNvPr id="4" name="Slide Number Placeholder 3">
+            <a:extLst>
+              <a:ext uri="{FF2B5EF4-FFF2-40B4-BE49-F238E27FC236}">
+                <a16:creationId xmlns:a16="http://schemas.microsoft.com/office/drawing/2014/main" id="{5BA9753A-1858-0534-FFDF-7DD012CC77FB}"/>
+              </a:ext>
+            </a:extLst>
+          </p:cNvPr>
+          <p:cNvSpPr>
+            <a:spLocks noGrp="1"/>
+          </p:cNvSpPr>
+          <p:nvPr>
+            <p:ph type="sldNum" sz="quarter" idx="12"/>
+          </p:nvPr>
+        </p:nvSpPr>
+        <p:spPr/>
+        <p:txBody>
+          <a:bodyPr/>
+          <a:lstStyle/>
+          <a:p>
+            <a:fld id="{815D9A1C-3CCE-984D-8E62-4EFE2F4188D1}" type="slidenum">
+              <a:rPr lang="en-GB" smtClean="0"/>
+              <a:t>‹#›</a:t>
+            </a:fld>
+            <a:endParaRPr lang="en-GB"/>
+          </a:p>
+        </p:txBody>
+      </p:sp>
+    </p:spTree>
+    <p:extLst>
+      <p:ext uri="{BB962C8B-B14F-4D97-AF65-F5344CB8AC3E}">
+        <p14:creationId xmlns:p14="http://schemas.microsoft.com/office/powerpoint/2010/main" val="1282689724"/>
+      </p:ext>
+    </p:extLst>
+  </p:cSld>
+  <p:clrMapOvr>
+    <a:masterClrMapping/>
+  </p:clrMapOvr>
+</p:sldLayout>
+</file>
+
+<file path=ppt/slideLayouts/slideLayout8.xml><?xml version="1.0" encoding="utf-8"?>
+<p:sldLayout xmlns:a="http://schemas.openxmlformats.org/drawingml/2006/main" xmlns:r="http://schemas.openxmlformats.org/officeDocument/2006/relationships" xmlns:p="http://schemas.openxmlformats.org/presentationml/2006/main" type="objTx" preserve="1">
+  <p:cSld name="Content with Caption">
+    <p:spTree>
+      <p:nvGrpSpPr>
+        <p:cNvPr id="1" name=""/>
+        <p:cNvGrpSpPr/>
+        <p:nvPr/>
+      </p:nvGrpSpPr>
+      <p:grpSpPr>
+        <a:xfrm>
+          <a:off x="0" y="0"/>
+          <a:ext cx="0" cy="0"/>
+          <a:chOff x="0" y="0"/>
+          <a:chExt cx="0" cy="0"/>
+        </a:xfrm>
+      </p:grpSpPr>
+      <p:sp>
+        <p:nvSpPr>
+          <p:cNvPr id="2" name="Title 1">
+            <a:extLst>
+              <a:ext uri="{FF2B5EF4-FFF2-40B4-BE49-F238E27FC236}">
+                <a16:creationId xmlns:a16="http://schemas.microsoft.com/office/drawing/2014/main" id="{AAFFBAED-3CB7-8877-56FA-7972C7316CB8}"/>
+              </a:ext>
+            </a:extLst>
+          </p:cNvPr>
+          <p:cNvSpPr>
+            <a:spLocks noGrp="1"/>
+          </p:cNvSpPr>
+          <p:nvPr>
+            <p:ph type="title"/>
+          </p:nvPr>
+        </p:nvSpPr>
+        <p:spPr>
+          <a:xfrm>
+            <a:off x="839788" y="457200"/>
+            <a:ext cx="3932237" cy="1600200"/>
+          </a:xfrm>
+        </p:spPr>
+        <p:txBody>
+          <a:bodyPr anchor="b"/>
+          <a:lstStyle>
+            <a:lvl1pPr>
+              <a:defRPr sz="3200"/>
+            </a:lvl1pPr>
+          </a:lstStyle>
+          <a:p>
+            <a:r>
+              <a:rPr lang="en-GB"/>
+              <a:t>Click to edit Master title style</a:t>
+            </a:r>
+          </a:p>
+        </p:txBody>
+      </p:sp>
+      <p:sp>
+        <p:nvSpPr>
+          <p:cNvPr id="3" name="Content Placeholder 2">
+            <a:extLst>
+              <a:ext uri="{FF2B5EF4-FFF2-40B4-BE49-F238E27FC236}">
+                <a16:creationId xmlns:a16="http://schemas.microsoft.com/office/drawing/2014/main" id="{2BEA85D9-0870-A3CC-58BB-A59DBEFF7743}"/>
+              </a:ext>
+            </a:extLst>
+          </p:cNvPr>
+          <p:cNvSpPr>
+            <a:spLocks noGrp="1"/>
+          </p:cNvSpPr>
+          <p:nvPr>
+            <p:ph idx="1"/>
+          </p:nvPr>
+        </p:nvSpPr>
+        <p:spPr>
+          <a:xfrm>
+            <a:off x="5183188" y="987425"/>
+            <a:ext cx="6172200" cy="4873625"/>
+          </a:xfrm>
+        </p:spPr>
+        <p:txBody>
+          <a:bodyPr/>
+          <a:lstStyle>
+            <a:lvl1pPr>
+              <a:defRPr sz="3200"/>
+            </a:lvl1pPr>
+            <a:lvl2pPr>
+              <a:defRPr sz="2800"/>
+            </a:lvl2pPr>
+            <a:lvl3pPr>
+              <a:defRPr sz="2400"/>
+            </a:lvl3pPr>
+            <a:lvl4pPr>
+              <a:defRPr sz="2000"/>
+            </a:lvl4pPr>
+            <a:lvl5pPr>
+              <a:defRPr sz="2000"/>
+            </a:lvl5pPr>
+            <a:lvl6pPr>
+              <a:defRPr sz="2000"/>
+            </a:lvl6pPr>
+            <a:lvl7pPr>
+              <a:defRPr sz="2000"/>
+            </a:lvl7pPr>
+            <a:lvl8pPr>
+              <a:defRPr sz="2000"/>
+            </a:lvl8pPr>
+            <a:lvl9pPr>
+              <a:defRPr sz="2000"/>
+            </a:lvl9pPr>
+          </a:lstStyle>
+          <a:p>
+            <a:pPr lvl="0"/>
+            <a:r>
+              <a:rPr lang="en-GB"/>
+              <a:t>Click to edit Master text styles</a:t>
+            </a:r>
+          </a:p>
+          <a:p>
+            <a:pPr lvl="1"/>
+            <a:r>
+              <a:rPr lang="en-GB"/>
+              <a:t>Second level</a:t>
+            </a:r>
+          </a:p>
+          <a:p>
+            <a:pPr lvl="2"/>
+            <a:r>
+              <a:rPr lang="en-GB"/>
+              <a:t>Third level</a:t>
+            </a:r>
+          </a:p>
+          <a:p>
+            <a:pPr lvl="3"/>
+            <a:r>
+              <a:rPr lang="en-GB"/>
+              <a:t>Fourth level</a:t>
+            </a:r>
+          </a:p>
+          <a:p>
+            <a:pPr lvl="4"/>
+            <a:r>
+              <a:rPr lang="en-GB"/>
+              <a:t>Fifth level</a:t>
+            </a:r>
+          </a:p>
+        </p:txBody>
+      </p:sp>
+      <p:sp>
+        <p:nvSpPr>
+          <p:cNvPr id="4" name="Text Placeholder 3">
+            <a:extLst>
+              <a:ext uri="{FF2B5EF4-FFF2-40B4-BE49-F238E27FC236}">
+                <a16:creationId xmlns:a16="http://schemas.microsoft.com/office/drawing/2014/main" id="{35EA34FE-E1BF-2B65-5132-91A088EE271B}"/>
+              </a:ext>
+            </a:extLst>
+          </p:cNvPr>
+          <p:cNvSpPr>
+            <a:spLocks noGrp="1"/>
+          </p:cNvSpPr>
+          <p:nvPr>
+            <p:ph type="body" sz="half" idx="2"/>
+          </p:nvPr>
+        </p:nvSpPr>
+        <p:spPr>
+          <a:xfrm>
+            <a:off x="839788" y="2057400"/>
+            <a:ext cx="3932237" cy="3811588"/>
+          </a:xfrm>
+        </p:spPr>
+        <p:txBody>
+          <a:bodyPr/>
+          <a:lstStyle>
+            <a:lvl1pPr marL="0" indent="0">
+              <a:buNone/>
+              <a:defRPr sz="1600"/>
+            </a:lvl1pPr>
+            <a:lvl2pPr marL="457200" indent="0">
+              <a:buNone/>
+              <a:defRPr sz="1400"/>
+            </a:lvl2pPr>
+            <a:lvl3pPr marL="914400" indent="0">
+              <a:buNone/>
+              <a:defRPr sz="1200"/>
+            </a:lvl3pPr>
+            <a:lvl4pPr marL="1371600" indent="0">
+              <a:buNone/>
+              <a:defRPr sz="1000"/>
+            </a:lvl4pPr>
+            <a:lvl5pPr marL="1828800" indent="0">
+              <a:buNone/>
+              <a:defRPr sz="1000"/>
+            </a:lvl5pPr>
+            <a:lvl6pPr marL="2286000" indent="0">
+              <a:buNone/>
+              <a:defRPr sz="1000"/>
+            </a:lvl6pPr>
+            <a:lvl7pPr marL="2743200" indent="0">
+              <a:buNone/>
+              <a:defRPr sz="1000"/>
+            </a:lvl7pPr>
+            <a:lvl8pPr marL="3200400" indent="0">
+              <a:buNone/>
+              <a:defRPr sz="1000"/>
+            </a:lvl8pPr>
+            <a:lvl9pPr marL="3657600" indent="0">
+              <a:buNone/>
+              <a:defRPr sz="1000"/>
+            </a:lvl9pPr>
+          </a:lstStyle>
+          <a:p>
+            <a:pPr lvl="0"/>
+            <a:r>
+              <a:rPr lang="en-GB"/>
+              <a:t>Click to edit Master text styles</a:t>
+            </a:r>
+          </a:p>
+        </p:txBody>
+      </p:sp>
+      <p:sp>
+        <p:nvSpPr>
+          <p:cNvPr id="5" name="Date Placeholder 4">
+            <a:extLst>
+              <a:ext uri="{FF2B5EF4-FFF2-40B4-BE49-F238E27FC236}">
+                <a16:creationId xmlns:a16="http://schemas.microsoft.com/office/drawing/2014/main" id="{ACB31232-3690-0770-4741-4A3D4756E11D}"/>
+              </a:ext>
+            </a:extLst>
+          </p:cNvPr>
+          <p:cNvSpPr>
+            <a:spLocks noGrp="1"/>
+          </p:cNvSpPr>
+          <p:nvPr>
+            <p:ph type="dt" sz="half" idx="10"/>
+          </p:nvPr>
+        </p:nvSpPr>
+        <p:spPr/>
+        <p:txBody>
+          <a:bodyPr/>
+          <a:lstStyle/>
+          <a:p>
+            <a:fld id="{B2B9EC86-279D-1C4C-8940-EB3087A9E53E}" type="datetimeFigureOut">
+              <a:rPr lang="en-GB" smtClean="0"/>
+              <a:t>27/11/2023</a:t>
+            </a:fld>
+            <a:endParaRPr lang="en-GB"/>
+          </a:p>
+        </p:txBody>
+      </p:sp>
+      <p:sp>
+        <p:nvSpPr>
+          <p:cNvPr id="6" name="Footer Placeholder 5">
+            <a:extLst>
+              <a:ext uri="{FF2B5EF4-FFF2-40B4-BE49-F238E27FC236}">
+                <a16:creationId xmlns:a16="http://schemas.microsoft.com/office/drawing/2014/main" id="{A5A2741C-B2FB-37E4-0F4C-BE743EBE932D}"/>
+              </a:ext>
+            </a:extLst>
+          </p:cNvPr>
+          <p:cNvSpPr>
+            <a:spLocks noGrp="1"/>
+          </p:cNvSpPr>
+          <p:nvPr>
+            <p:ph type="ftr" sz="quarter" idx="11"/>
+          </p:nvPr>
+        </p:nvSpPr>
+        <p:spPr/>
+        <p:txBody>
+          <a:bodyPr/>
+          <a:lstStyle/>
+          <a:p>
+            <a:endParaRPr lang="en-GB"/>
+          </a:p>
+        </p:txBody>
+      </p:sp>
+      <p:sp>
+        <p:nvSpPr>
+          <p:cNvPr id="7" name="Slide Number Placeholder 6">
+            <a:extLst>
+              <a:ext uri="{FF2B5EF4-FFF2-40B4-BE49-F238E27FC236}">
+                <a16:creationId xmlns:a16="http://schemas.microsoft.com/office/drawing/2014/main" id="{19B55443-24B8-7B19-924D-304F9F40B8FB}"/>
+              </a:ext>
+            </a:extLst>
+          </p:cNvPr>
+          <p:cNvSpPr>
+            <a:spLocks noGrp="1"/>
+          </p:cNvSpPr>
+          <p:nvPr>
+            <p:ph type="sldNum" sz="quarter" idx="12"/>
+          </p:nvPr>
+        </p:nvSpPr>
+        <p:spPr/>
+        <p:txBody>
+          <a:bodyPr/>
+          <a:lstStyle/>
+          <a:p>
+            <a:fld id="{815D9A1C-3CCE-984D-8E62-4EFE2F4188D1}" type="slidenum">
+              <a:rPr lang="en-GB" smtClean="0"/>
+              <a:t>‹#›</a:t>
+            </a:fld>
+            <a:endParaRPr lang="en-GB"/>
+          </a:p>
+        </p:txBody>
+      </p:sp>
+    </p:spTree>
+    <p:extLst>
+      <p:ext uri="{BB962C8B-B14F-4D97-AF65-F5344CB8AC3E}">
+        <p14:creationId xmlns:p14="http://schemas.microsoft.com/office/powerpoint/2010/main" val="842990888"/>
+      </p:ext>
+    </p:extLst>
+  </p:cSld>
+  <p:clrMapOvr>
+    <a:masterClrMapping/>
+  </p:clrMapOvr>
+</p:sldLayout>
+</file>
+
+<file path=ppt/slideLayouts/slideLayout9.xml><?xml version="1.0" encoding="utf-8"?>
+<p:sldLayout xmlns:a="http://schemas.openxmlformats.org/drawingml/2006/main" xmlns:r="http://schemas.openxmlformats.org/officeDocument/2006/relationships" xmlns:p="http://schemas.openxmlformats.org/presentationml/2006/main" type="picTx" preserve="1">
+  <p:cSld name="Picture with Caption">
+    <p:spTree>
+      <p:nvGrpSpPr>
+        <p:cNvPr id="1" name=""/>
+        <p:cNvGrpSpPr/>
+        <p:nvPr/>
+      </p:nvGrpSpPr>
+      <p:grpSpPr>
+        <a:xfrm>
+          <a:off x="0" y="0"/>
+          <a:ext cx="0" cy="0"/>
+          <a:chOff x="0" y="0"/>
+          <a:chExt cx="0" cy="0"/>
+        </a:xfrm>
+      </p:grpSpPr>
+      <p:sp>
+        <p:nvSpPr>
+          <p:cNvPr id="2" name="Title 1">
+            <a:extLst>
+              <a:ext uri="{FF2B5EF4-FFF2-40B4-BE49-F238E27FC236}">
+                <a16:creationId xmlns:a16="http://schemas.microsoft.com/office/drawing/2014/main" id="{33CB75DE-7045-3753-34A0-69F11DD3CEBF}"/>
+              </a:ext>
+            </a:extLst>
+          </p:cNvPr>
+          <p:cNvSpPr>
+            <a:spLocks noGrp="1"/>
+          </p:cNvSpPr>
+          <p:nvPr>
+            <p:ph type="title"/>
+          </p:nvPr>
+        </p:nvSpPr>
+        <p:spPr>
+          <a:xfrm>
+            <a:off x="839788" y="457200"/>
+            <a:ext cx="3932237" cy="1600200"/>
+          </a:xfrm>
+        </p:spPr>
+        <p:txBody>
+          <a:bodyPr anchor="b"/>
+          <a:lstStyle>
+            <a:lvl1pPr>
+              <a:defRPr sz="3200"/>
+            </a:lvl1pPr>
+          </a:lstStyle>
+          <a:p>
+            <a:r>
+              <a:rPr lang="en-GB"/>
+              <a:t>Click to edit Master title style</a:t>
+            </a:r>
+          </a:p>
+        </p:txBody>
+      </p:sp>
+      <p:sp>
+        <p:nvSpPr>
+          <p:cNvPr id="3" name="Picture Placeholder 2">
+            <a:extLst>
+              <a:ext uri="{FF2B5EF4-FFF2-40B4-BE49-F238E27FC236}">
+                <a16:creationId xmlns:a16="http://schemas.microsoft.com/office/drawing/2014/main" id="{9F6BD1E3-8644-CD22-6617-1C8B1473220B}"/>
+              </a:ext>
+            </a:extLst>
+          </p:cNvPr>
+          <p:cNvSpPr>
+            <a:spLocks noGrp="1"/>
+          </p:cNvSpPr>
+          <p:nvPr>
+            <p:ph type="pic" idx="1"/>
+          </p:nvPr>
+        </p:nvSpPr>
+        <p:spPr>
+          <a:xfrm>
+            <a:off x="5183188" y="987425"/>
+            <a:ext cx="6172200" cy="4873625"/>
+          </a:xfrm>
+        </p:spPr>
+        <p:txBody>
+          <a:bodyPr/>
+          <a:lstStyle>
+            <a:lvl1pPr marL="0" indent="0">
+              <a:buNone/>
+              <a:defRPr sz="3200"/>
+            </a:lvl1pPr>
+            <a:lvl2pPr marL="457200" indent="0">
+              <a:buNone/>
+              <a:defRPr sz="2800"/>
+            </a:lvl2pPr>
+            <a:lvl3pPr marL="914400" indent="0">
+              <a:buNone/>
+              <a:defRPr sz="2400"/>
+            </a:lvl3pPr>
+            <a:lvl4pPr marL="1371600" indent="0">
+              <a:buNone/>
+              <a:defRPr sz="2000"/>
+            </a:lvl4pPr>
+            <a:lvl5pPr marL="1828800" indent="0">
+              <a:buNone/>
+              <a:defRPr sz="2000"/>
+            </a:lvl5pPr>
+            <a:lvl6pPr marL="2286000" indent="0">
+              <a:buNone/>
+              <a:defRPr sz="2000"/>
+            </a:lvl6pPr>
+            <a:lvl7pPr marL="2743200" indent="0">
+              <a:buNone/>
+              <a:defRPr sz="2000"/>
+            </a:lvl7pPr>
+            <a:lvl8pPr marL="3200400" indent="0">
+              <a:buNone/>
+              <a:defRPr sz="2000"/>
+            </a:lvl8pPr>
+            <a:lvl9pPr marL="3657600" indent="0">
+              <a:buNone/>
+              <a:defRPr sz="2000"/>
+            </a:lvl9pPr>
+          </a:lstStyle>
+          <a:p>
+            <a:endParaRPr lang="en-GB"/>
+          </a:p>
+        </p:txBody>
+      </p:sp>
+      <p:sp>
+        <p:nvSpPr>
+          <p:cNvPr id="4" name="Text Placeholder 3">
+            <a:extLst>
+              <a:ext uri="{FF2B5EF4-FFF2-40B4-BE49-F238E27FC236}">
+                <a16:creationId xmlns:a16="http://schemas.microsoft.com/office/drawing/2014/main" id="{4C8ACF31-207D-627C-1110-AD74DE4BC1F3}"/>
+              </a:ext>
+            </a:extLst>
+          </p:cNvPr>
+          <p:cNvSpPr>
+            <a:spLocks noGrp="1"/>
+          </p:cNvSpPr>
+          <p:nvPr>
+            <p:ph type="body" sz="half" idx="2"/>
+          </p:nvPr>
+        </p:nvSpPr>
+        <p:spPr>
+          <a:xfrm>
+            <a:off x="839788" y="2057400"/>
+            <a:ext cx="3932237" cy="3811588"/>
+          </a:xfrm>
+        </p:spPr>
+        <p:txBody>
+          <a:bodyPr/>
+          <a:lstStyle>
+            <a:lvl1pPr marL="0" indent="0">
+              <a:buNone/>
+              <a:defRPr sz="1600"/>
+            </a:lvl1pPr>
+            <a:lvl2pPr marL="457200" indent="0">
+              <a:buNone/>
+              <a:defRPr sz="1400"/>
+            </a:lvl2pPr>
+            <a:lvl3pPr marL="914400" indent="0">
+              <a:buNone/>
+              <a:defRPr sz="1200"/>
+            </a:lvl3pPr>
+            <a:lvl4pPr marL="1371600" indent="0">
+              <a:buNone/>
+              <a:defRPr sz="1000"/>
+            </a:lvl4pPr>
+            <a:lvl5pPr marL="1828800" indent="0">
+              <a:buNone/>
+              <a:defRPr sz="1000"/>
+            </a:lvl5pPr>
+            <a:lvl6pPr marL="2286000" indent="0">
+              <a:buNone/>
+              <a:defRPr sz="1000"/>
+            </a:lvl6pPr>
+            <a:lvl7pPr marL="2743200" indent="0">
+              <a:buNone/>
+              <a:defRPr sz="1000"/>
+            </a:lvl7pPr>
+            <a:lvl8pPr marL="3200400" indent="0">
+              <a:buNone/>
+              <a:defRPr sz="1000"/>
+            </a:lvl8pPr>
+            <a:lvl9pPr marL="3657600" indent="0">
+              <a:buNone/>
+              <a:defRPr sz="1000"/>
+            </a:lvl9pPr>
+          </a:lstStyle>
+          <a:p>
+            <a:pPr lvl="0"/>
+            <a:r>
+              <a:rPr lang="en-GB"/>
+              <a:t>Click to edit Master text styles</a:t>
+            </a:r>
+          </a:p>
+        </p:txBody>
+      </p:sp>
+      <p:sp>
+        <p:nvSpPr>
+          <p:cNvPr id="5" name="Date Placeholder 4">
+            <a:extLst>
+              <a:ext uri="{FF2B5EF4-FFF2-40B4-BE49-F238E27FC236}">
+                <a16:creationId xmlns:a16="http://schemas.microsoft.com/office/drawing/2014/main" id="{E9EF0F84-763D-9EFD-986F-27B710925E24}"/>
+              </a:ext>
+            </a:extLst>
+          </p:cNvPr>
+          <p:cNvSpPr>
+            <a:spLocks noGrp="1"/>
+          </p:cNvSpPr>
+          <p:nvPr>
+            <p:ph type="dt" sz="half" idx="10"/>
+          </p:nvPr>
+        </p:nvSpPr>
+        <p:spPr/>
+        <p:txBody>
+          <a:bodyPr/>
+          <a:lstStyle/>
+          <a:p>
+            <a:fld id="{B2B9EC86-279D-1C4C-8940-EB3087A9E53E}" type="datetimeFigureOut">
+              <a:rPr lang="en-GB" smtClean="0"/>
+              <a:t>27/11/2023</a:t>
+            </a:fld>
+            <a:endParaRPr lang="en-GB"/>
+          </a:p>
+        </p:txBody>
+      </p:sp>
+      <p:sp>
+        <p:nvSpPr>
+          <p:cNvPr id="6" name="Footer Placeholder 5">
+            <a:extLst>
+              <a:ext uri="{FF2B5EF4-FFF2-40B4-BE49-F238E27FC236}">
+                <a16:creationId xmlns:a16="http://schemas.microsoft.com/office/drawing/2014/main" id="{876BE883-4F8A-AFF6-ADF5-09392CC68210}"/>
+              </a:ext>
+            </a:extLst>
+          </p:cNvPr>
+          <p:cNvSpPr>
+            <a:spLocks noGrp="1"/>
+          </p:cNvSpPr>
+          <p:nvPr>
+            <p:ph type="ftr" sz="quarter" idx="11"/>
+          </p:nvPr>
+        </p:nvSpPr>
+        <p:spPr/>
+        <p:txBody>
+          <a:bodyPr/>
+          <a:lstStyle/>
+          <a:p>
+            <a:endParaRPr lang="en-GB"/>
+          </a:p>
+        </p:txBody>
+      </p:sp>
+      <p:sp>
+        <p:nvSpPr>
+          <p:cNvPr id="7" name="Slide Number Placeholder 6">
+            <a:extLst>
+              <a:ext uri="{FF2B5EF4-FFF2-40B4-BE49-F238E27FC236}">
+                <a16:creationId xmlns:a16="http://schemas.microsoft.com/office/drawing/2014/main" id="{5A2248FF-81DF-0BD9-8BA6-EFF8EE1CC468}"/>
+              </a:ext>
+            </a:extLst>
+          </p:cNvPr>
+          <p:cNvSpPr>
+            <a:spLocks noGrp="1"/>
+          </p:cNvSpPr>
+          <p:nvPr>
+            <p:ph type="sldNum" sz="quarter" idx="12"/>
+          </p:nvPr>
+        </p:nvSpPr>
+        <p:spPr/>
+        <p:txBody>
+          <a:bodyPr/>
+          <a:lstStyle/>
+          <a:p>
+            <a:fld id="{815D9A1C-3CCE-984D-8E62-4EFE2F4188D1}" type="slidenum">
+              <a:rPr lang="en-GB" smtClean="0"/>
+              <a:t>‹#›</a:t>
+            </a:fld>
+            <a:endParaRPr lang="en-GB"/>
+          </a:p>
+        </p:txBody>
+      </p:sp>
+    </p:spTree>
+    <p:extLst>
+      <p:ext uri="{BB962C8B-B14F-4D97-AF65-F5344CB8AC3E}">
+        <p14:creationId xmlns:p14="http://schemas.microsoft.com/office/powerpoint/2010/main" val="1137254808"/>
+      </p:ext>
+    </p:extLst>
+  </p:cSld>
+  <p:clrMapOvr>
+    <a:masterClrMapping/>
+  </p:clrMapOvr>
+</p:sldLayout>
+</file>
+
+<file path=ppt/slideMasters/slideMaster1.xml><?xml version="1.0" encoding="utf-8"?>
+<p:sldMaster xmlns:a="http://schemas.openxmlformats.org/drawingml/2006/main" xmlns:r="http://schemas.openxmlformats.org/officeDocument/2006/relationships" xmlns:p="http://schemas.openxmlformats.org/presentationml/2006/main">
+  <p:cSld>
+    <p:bg>
+      <p:bgRef idx="1001">
+        <a:schemeClr val="bg1"/>
+      </p:bgRef>
+    </p:bg>
+    <p:spTree>
+      <p:nvGrpSpPr>
+        <p:cNvPr id="1" name=""/>
+        <p:cNvGrpSpPr/>
+        <p:nvPr/>
+      </p:nvGrpSpPr>
+      <p:grpSpPr>
+        <a:xfrm>
+          <a:off x="0" y="0"/>
+          <a:ext cx="0" cy="0"/>
+          <a:chOff x="0" y="0"/>
+          <a:chExt cx="0" cy="0"/>
+        </a:xfrm>
+      </p:grpSpPr>
+      <p:sp>
+        <p:nvSpPr>
+          <p:cNvPr id="2" name="Title Placeholder 1">
+            <a:extLst>
+              <a:ext uri="{FF2B5EF4-FFF2-40B4-BE49-F238E27FC236}">
+                <a16:creationId xmlns:a16="http://schemas.microsoft.com/office/drawing/2014/main" id="{6808768E-E0A4-F620-54F5-F52056FEF4F3}"/>
+              </a:ext>
+            </a:extLst>
+          </p:cNvPr>
+          <p:cNvSpPr>
+            <a:spLocks noGrp="1"/>
+          </p:cNvSpPr>
+          <p:nvPr>
+            <p:ph type="title"/>
+          </p:nvPr>
+        </p:nvSpPr>
+        <p:spPr>
+          <a:xfrm>
+            <a:off x="838200" y="365125"/>
+            <a:ext cx="10515600" cy="1325563"/>
+          </a:xfrm>
+          <a:prstGeom prst="rect">
+            <a:avLst/>
+          </a:prstGeom>
+        </p:spPr>
+        <p:txBody>
+          <a:bodyPr vert="horz" lIns="91440" tIns="45720" rIns="91440" bIns="45720" rtlCol="0" anchor="ctr">
+            <a:normAutofit/>
+          </a:bodyPr>
+          <a:lstStyle/>
+          <a:p>
+            <a:r>
+              <a:rPr lang="en-GB"/>
+              <a:t>Click to edit Master title style</a:t>
+            </a:r>
+          </a:p>
+        </p:txBody>
+      </p:sp>
+      <p:sp>
+        <p:nvSpPr>
+          <p:cNvPr id="3" name="Text Placeholder 2">
+            <a:extLst>
+              <a:ext uri="{FF2B5EF4-FFF2-40B4-BE49-F238E27FC236}">
+                <a16:creationId xmlns:a16="http://schemas.microsoft.com/office/drawing/2014/main" id="{2D366B7B-AB8C-6C1C-EA00-E21ED1411B9E}"/>
+              </a:ext>
+            </a:extLst>
+          </p:cNvPr>
+          <p:cNvSpPr>
+            <a:spLocks noGrp="1"/>
+          </p:cNvSpPr>
+          <p:nvPr>
+            <p:ph type="body" idx="1"/>
+          </p:nvPr>
+        </p:nvSpPr>
+        <p:spPr>
+          <a:xfrm>
+            <a:off x="838200" y="1825625"/>
+            <a:ext cx="10515600" cy="4351338"/>
+          </a:xfrm>
+          <a:prstGeom prst="rect">
+            <a:avLst/>
+          </a:prstGeom>
+        </p:spPr>
+        <p:txBody>
+          <a:bodyPr vert="horz" lIns="91440" tIns="45720" rIns="91440" bIns="45720" rtlCol="0">
+            <a:normAutofit/>
+          </a:bodyPr>
+          <a:lstStyle/>
+          <a:p>
+            <a:pPr lvl="0"/>
+            <a:r>
+              <a:rPr lang="en-GB"/>
+              <a:t>Click to edit Master text styles</a:t>
+            </a:r>
+          </a:p>
+          <a:p>
+            <a:pPr lvl="1"/>
+            <a:r>
+              <a:rPr lang="en-GB"/>
+              <a:t>Second level</a:t>
+            </a:r>
+          </a:p>
+          <a:p>
+            <a:pPr lvl="2"/>
+            <a:r>
+              <a:rPr lang="en-GB"/>
+              <a:t>Third level</a:t>
+            </a:r>
+          </a:p>
+          <a:p>
+            <a:pPr lvl="3"/>
+            <a:r>
+              <a:rPr lang="en-GB"/>
+              <a:t>Fourth level</a:t>
+            </a:r>
+          </a:p>
+          <a:p>
+            <a:pPr lvl="4"/>
+            <a:r>
+              <a:rPr lang="en-GB"/>
+              <a:t>Fifth level</a:t>
+            </a:r>
+          </a:p>
+        </p:txBody>
+      </p:sp>
+      <p:sp>
+        <p:nvSpPr>
+          <p:cNvPr id="4" name="Date Placeholder 3">
+            <a:extLst>
+              <a:ext uri="{FF2B5EF4-FFF2-40B4-BE49-F238E27FC236}">
+                <a16:creationId xmlns:a16="http://schemas.microsoft.com/office/drawing/2014/main" id="{B4EBD85C-7FEE-A4F9-1D56-C7BCA29E9228}"/>
+              </a:ext>
+            </a:extLst>
+          </p:cNvPr>
+          <p:cNvSpPr>
+            <a:spLocks noGrp="1"/>
+          </p:cNvSpPr>
+          <p:nvPr>
+            <p:ph type="dt" sz="half" idx="2"/>
+          </p:nvPr>
+        </p:nvSpPr>
+        <p:spPr>
+          <a:xfrm>
+            <a:off x="838200" y="6356350"/>
+            <a:ext cx="2743200" cy="365125"/>
+          </a:xfrm>
+          <a:prstGeom prst="rect">
+            <a:avLst/>
+          </a:prstGeom>
+        </p:spPr>
+        <p:txBody>
+          <a:bodyPr vert="horz" lIns="91440" tIns="45720" rIns="91440" bIns="45720" rtlCol="0" anchor="ctr"/>
+          <a:lstStyle>
+            <a:lvl1pPr algn="l">
+              <a:defRPr sz="1200">
+                <a:solidFill>
+                  <a:schemeClr val="tx1">
+                    <a:tint val="75000"/>
+                  </a:schemeClr>
+                </a:solidFill>
+              </a:defRPr>
+            </a:lvl1pPr>
+          </a:lstStyle>
+          <a:p>
+            <a:fld id="{B2B9EC86-279D-1C4C-8940-EB3087A9E53E}" type="datetimeFigureOut">
+              <a:rPr lang="en-GB" smtClean="0"/>
+              <a:t>27/11/2023</a:t>
+            </a:fld>
+            <a:endParaRPr lang="en-GB"/>
+          </a:p>
+        </p:txBody>
+      </p:sp>
+      <p:sp>
+        <p:nvSpPr>
+          <p:cNvPr id="5" name="Footer Placeholder 4">
+            <a:extLst>
+              <a:ext uri="{FF2B5EF4-FFF2-40B4-BE49-F238E27FC236}">
+                <a16:creationId xmlns:a16="http://schemas.microsoft.com/office/drawing/2014/main" id="{5D45FDE4-28B3-96B9-E637-AB5F99C3A816}"/>
+              </a:ext>
+            </a:extLst>
+          </p:cNvPr>
+          <p:cNvSpPr>
+            <a:spLocks noGrp="1"/>
+          </p:cNvSpPr>
+          <p:nvPr>
+            <p:ph type="ftr" sz="quarter" idx="3"/>
+          </p:nvPr>
+        </p:nvSpPr>
+        <p:spPr>
+          <a:xfrm>
+            <a:off x="4038600" y="6356350"/>
+            <a:ext cx="4114800" cy="365125"/>
+          </a:xfrm>
+          <a:prstGeom prst="rect">
+            <a:avLst/>
+          </a:prstGeom>
+        </p:spPr>
+        <p:txBody>
+          <a:bodyPr vert="horz" lIns="91440" tIns="45720" rIns="91440" bIns="45720" rtlCol="0" anchor="ctr"/>
+          <a:lstStyle>
+            <a:lvl1pPr algn="ctr">
+              <a:defRPr sz="1200">
+                <a:solidFill>
+                  <a:schemeClr val="tx1">
+                    <a:tint val="75000"/>
+                  </a:schemeClr>
+                </a:solidFill>
+              </a:defRPr>
+            </a:lvl1pPr>
+          </a:lstStyle>
+          <a:p>
+            <a:endParaRPr lang="en-GB"/>
+          </a:p>
+        </p:txBody>
+      </p:sp>
+      <p:sp>
+        <p:nvSpPr>
+          <p:cNvPr id="6" name="Slide Number Placeholder 5">
+            <a:extLst>
+              <a:ext uri="{FF2B5EF4-FFF2-40B4-BE49-F238E27FC236}">
+                <a16:creationId xmlns:a16="http://schemas.microsoft.com/office/drawing/2014/main" id="{BB1672C5-916E-76FC-D586-6B518238869D}"/>
+              </a:ext>
+            </a:extLst>
+          </p:cNvPr>
+          <p:cNvSpPr>
+            <a:spLocks noGrp="1"/>
+          </p:cNvSpPr>
+          <p:nvPr>
+            <p:ph type="sldNum" sz="quarter" idx="4"/>
+          </p:nvPr>
+        </p:nvSpPr>
+        <p:spPr>
+          <a:xfrm>
+            <a:off x="8610600" y="6356350"/>
+            <a:ext cx="2743200" cy="365125"/>
+          </a:xfrm>
+          <a:prstGeom prst="rect">
+            <a:avLst/>
+          </a:prstGeom>
+        </p:spPr>
+        <p:txBody>
+          <a:bodyPr vert="horz" lIns="91440" tIns="45720" rIns="91440" bIns="45720" rtlCol="0" anchor="ctr"/>
+          <a:lstStyle>
+            <a:lvl1pPr algn="r">
+              <a:defRPr sz="1200">
+                <a:solidFill>
+                  <a:schemeClr val="tx1">
+                    <a:tint val="75000"/>
+                  </a:schemeClr>
+                </a:solidFill>
+              </a:defRPr>
+            </a:lvl1pPr>
+          </a:lstStyle>
+          <a:p>
+            <a:fld id="{815D9A1C-3CCE-984D-8E62-4EFE2F4188D1}" type="slidenum">
+              <a:rPr lang="en-GB" smtClean="0"/>
+              <a:t>‹#›</a:t>
+            </a:fld>
+            <a:endParaRPr lang="en-GB"/>
+          </a:p>
+        </p:txBody>
+      </p:sp>
+    </p:spTree>
+    <p:extLst>
+      <p:ext uri="{BB962C8B-B14F-4D97-AF65-F5344CB8AC3E}">
+        <p14:creationId xmlns:p14="http://schemas.microsoft.com/office/powerpoint/2010/main" val="3159628867"/>
+      </p:ext>
+    </p:extLst>
+  </p:cSld>
+  <p:clrMap bg1="lt1" tx1="dk1" bg2="lt2" tx2="dk2" accent1="accent1" accent2="accent2" accent3="accent3" accent4="accent4" accent5="accent5" accent6="accent6" hlink="hlink" folHlink="folHlink"/>
+  <p:sldLayoutIdLst>
+    <p:sldLayoutId id="2147483649" r:id="rId1"/>
+    <p:sldLayoutId id="2147483650" r:id="rId2"/>
+    <p:sldLayoutId id="2147483651" r:id="rId3"/>
+    <p:sldLayoutId id="2147483652" r:id="rId4"/>
+    <p:sldLayoutId id="2147483653" r:id="rId5"/>
+    <p:sldLayoutId id="2147483654" r:id="rId6"/>
+    <p:sldLayoutId id="2147483655" r:id="rId7"/>
+    <p:sldLayoutId id="2147483656" r:id="rId8"/>
+    <p:sldLayoutId id="2147483657" r:id="rId9"/>
+    <p:sldLayoutId id="2147483658" r:id="rId10"/>
+    <p:sldLayoutId id="2147483659" r:id="rId11"/>
+  </p:sldLayoutIdLst>
+  <p:txStyles>
+    <p:titleStyle>
+      <a:lvl1pPr algn="l" defTabSz="914400" rtl="0" eaLnBrk="1" latinLnBrk="0" hangingPunct="1">
+        <a:lnSpc>
+          <a:spcPct val="90000"/>
+        </a:lnSpc>
+        <a:spcBef>
+          <a:spcPct val="0"/>
+        </a:spcBef>
+        <a:buNone/>
+        <a:defRPr sz="4400" kern="1200">
+          <a:solidFill>
+            <a:schemeClr val="tx1"/>
+          </a:solidFill>
+          <a:latin typeface="+mj-lt"/>
+          <a:ea typeface="+mj-ea"/>
+          <a:cs typeface="+mj-cs"/>
+        </a:defRPr>
+      </a:lvl1pPr>
+    </p:titleStyle>
+    <p:bodyStyle>
+      <a:lvl1pPr marL="228600" indent="-228600" algn="l" defTabSz="914400" rtl="0" eaLnBrk="1" latinLnBrk="0" hangingPunct="1">
+        <a:lnSpc>
+          <a:spcPct val="90000"/>
+        </a:lnSpc>
+        <a:spcBef>
+          <a:spcPts val="1000"/>
+        </a:spcBef>
+        <a:buFont typeface="Arial" panose="020B0604020202020204" pitchFamily="34" charset="0"/>
+        <a:buChar char="•"/>
+        <a:defRPr sz="2800" kern="1200">
+          <a:solidFill>
+            <a:schemeClr val="tx1"/>
+          </a:solidFill>
+          <a:latin typeface="+mn-lt"/>
+          <a:ea typeface="+mn-ea"/>
+          <a:cs typeface="+mn-cs"/>
+        </a:defRPr>
+      </a:lvl1pPr>
+      <a:lvl2pPr marL="685800" indent="-228600" algn="l" defTabSz="914400" rtl="0" eaLnBrk="1" latinLnBrk="0" hangingPunct="1">
+        <a:lnSpc>
+          <a:spcPct val="90000"/>
+        </a:lnSpc>
+        <a:spcBef>
+          <a:spcPts val="500"/>
+        </a:spcBef>
+        <a:buFont typeface="Arial" panose="020B0604020202020204" pitchFamily="34" charset="0"/>
+        <a:buChar char="•"/>
+        <a:defRPr sz="2400" kern="1200">
+          <a:solidFill>
+            <a:schemeClr val="tx1"/>
+          </a:solidFill>
+          <a:latin typeface="+mn-lt"/>
+          <a:ea typeface="+mn-ea"/>
+          <a:cs typeface="+mn-cs"/>
+        </a:defRPr>
+      </a:lvl2pPr>
+      <a:lvl3pPr marL="1143000" indent="-228600" algn="l" defTabSz="914400" rtl="0" eaLnBrk="1" latinLnBrk="0" hangingPunct="1">
+        <a:lnSpc>
+          <a:spcPct val="90000"/>
+        </a:lnSpc>
+        <a:spcBef>
+          <a:spcPts val="500"/>
+        </a:spcBef>
+        <a:buFont typeface="Arial" panose="020B0604020202020204" pitchFamily="34" charset="0"/>
+        <a:buChar char="•"/>
+        <a:defRPr sz="2000" kern="1200">
+          <a:solidFill>
+            <a:schemeClr val="tx1"/>
+          </a:solidFill>
+          <a:latin typeface="+mn-lt"/>
+          <a:ea typeface="+mn-ea"/>
+          <a:cs typeface="+mn-cs"/>
+        </a:defRPr>
+      </a:lvl3pPr>
+      <a:lvl4pPr marL="1600200" indent="-228600" algn="l" defTabSz="914400" rtl="0" eaLnBrk="1" latinLnBrk="0" hangingPunct="1">
+        <a:lnSpc>
+          <a:spcPct val="90000"/>
+        </a:lnSpc>
+        <a:spcBef>
+          <a:spcPts val="500"/>
+        </a:spcBef>
+        <a:buFont typeface="Arial" panose="020B0604020202020204" pitchFamily="34" charset="0"/>
+        <a:buChar char="•"/>
+        <a:defRPr sz="1800" kern="1200">
+          <a:solidFill>
+            <a:schemeClr val="tx1"/>
+          </a:solidFill>
+          <a:latin typeface="+mn-lt"/>
+          <a:ea typeface="+mn-ea"/>
+          <a:cs typeface="+mn-cs"/>
+        </a:defRPr>
+      </a:lvl4pPr>
+      <a:lvl5pPr marL="2057400" indent="-228600" algn="l" defTabSz="914400" rtl="0" eaLnBrk="1" latinLnBrk="0" hangingPunct="1">
+        <a:lnSpc>
+          <a:spcPct val="90000"/>
+        </a:lnSpc>
+        <a:spcBef>
+          <a:spcPts val="500"/>
+        </a:spcBef>
+        <a:buFont typeface="Arial" panose="020B0604020202020204" pitchFamily="34" charset="0"/>
+        <a:buChar char="•"/>
+        <a:defRPr sz="1800" kern="1200">
+          <a:solidFill>
+            <a:schemeClr val="tx1"/>
+          </a:solidFill>
+          <a:latin typeface="+mn-lt"/>
+          <a:ea typeface="+mn-ea"/>
+          <a:cs typeface="+mn-cs"/>
+        </a:defRPr>
+      </a:lvl5pPr>
+      <a:lvl6pPr marL="2514600" indent="-228600" algn="l" defTabSz="914400" rtl="0" eaLnBrk="1" latinLnBrk="0" hangingPunct="1">
+        <a:lnSpc>
+          <a:spcPct val="90000"/>
+        </a:lnSpc>
+        <a:spcBef>
+          <a:spcPts val="500"/>
+        </a:spcBef>
+        <a:buFont typeface="Arial" panose="020B0604020202020204" pitchFamily="34" charset="0"/>
+        <a:buChar char="•"/>
+        <a:defRPr sz="1800" kern="1200">
+          <a:solidFill>
+            <a:schemeClr val="tx1"/>
+          </a:solidFill>
+          <a:latin typeface="+mn-lt"/>
+          <a:ea typeface="+mn-ea"/>
+          <a:cs typeface="+mn-cs"/>
+        </a:defRPr>
+      </a:lvl6pPr>
+      <a:lvl7pPr marL="2971800" indent="-228600" algn="l" defTabSz="914400" rtl="0" eaLnBrk="1" latinLnBrk="0" hangingPunct="1">
+        <a:lnSpc>
+          <a:spcPct val="90000"/>
+        </a:lnSpc>
+        <a:spcBef>
+          <a:spcPts val="500"/>
+        </a:spcBef>
+        <a:buFont typeface="Arial" panose="020B0604020202020204" pitchFamily="34" charset="0"/>
+        <a:buChar char="•"/>
+        <a:defRPr sz="1800" kern="1200">
+          <a:solidFill>
+            <a:schemeClr val="tx1"/>
+          </a:solidFill>
+          <a:latin typeface="+mn-lt"/>
+          <a:ea typeface="+mn-ea"/>
+          <a:cs typeface="+mn-cs"/>
+        </a:defRPr>
+      </a:lvl7pPr>
+      <a:lvl8pPr marL="3429000" indent="-228600" algn="l" defTabSz="914400" rtl="0" eaLnBrk="1" latinLnBrk="0" hangingPunct="1">
+        <a:lnSpc>
+          <a:spcPct val="90000"/>
+        </a:lnSpc>
+        <a:spcBef>
+          <a:spcPts val="500"/>
+        </a:spcBef>
+        <a:buFont typeface="Arial" panose="020B0604020202020204" pitchFamily="34" charset="0"/>
+        <a:buChar char="•"/>
+        <a:defRPr sz="1800" kern="1200">
+          <a:solidFill>
+            <a:schemeClr val="tx1"/>
+          </a:solidFill>
+          <a:latin typeface="+mn-lt"/>
+          <a:ea typeface="+mn-ea"/>
+          <a:cs typeface="+mn-cs"/>
+        </a:defRPr>
+      </a:lvl8pPr>
+      <a:lvl9pPr marL="3886200" indent="-228600" algn="l" defTabSz="914400" rtl="0" eaLnBrk="1" latinLnBrk="0" hangingPunct="1">
+        <a:lnSpc>
+          <a:spcPct val="90000"/>
+        </a:lnSpc>
+        <a:spcBef>
+          <a:spcPts val="500"/>
+        </a:spcBef>
+        <a:buFont typeface="Arial" panose="020B0604020202020204" pitchFamily="34" charset="0"/>
+        <a:buChar char="•"/>
+        <a:defRPr sz="1800" kern="1200">
+          <a:solidFill>
+            <a:schemeClr val="tx1"/>
+          </a:solidFill>
+          <a:latin typeface="+mn-lt"/>
+          <a:ea typeface="+mn-ea"/>
+          <a:cs typeface="+mn-cs"/>
+        </a:defRPr>
+      </a:lvl9pPr>
+    </p:bodyStyle>
+    <p:otherStyle>
+      <a:defPPr>
+        <a:defRPr lang="en-IT"/>
+      </a:defPPr>
+      <a:lvl1pPr marL="0" algn="l" defTabSz="914400" rtl="0" eaLnBrk="1" latinLnBrk="0" hangingPunct="1">
+        <a:defRPr sz="1800" kern="1200">
+          <a:solidFill>
+            <a:schemeClr val="tx1"/>
+          </a:solidFill>
+          <a:latin typeface="+mn-lt"/>
+          <a:ea typeface="+mn-ea"/>
+          <a:cs typeface="+mn-cs"/>
+        </a:defRPr>
+      </a:lvl1pPr>
+      <a:lvl2pPr marL="457200" algn="l" defTabSz="914400" rtl="0" eaLnBrk="1" latinLnBrk="0" hangingPunct="1">
+        <a:defRPr sz="1800" kern="1200">
+          <a:solidFill>
+            <a:schemeClr val="tx1"/>
+          </a:solidFill>
+          <a:latin typeface="+mn-lt"/>
+          <a:ea typeface="+mn-ea"/>
+          <a:cs typeface="+mn-cs"/>
+        </a:defRPr>
+      </a:lvl2pPr>
+      <a:lvl3pPr marL="914400" algn="l" defTabSz="914400" rtl="0" eaLnBrk="1" latinLnBrk="0" hangingPunct="1">
+        <a:defRPr sz="1800" kern="1200">
+          <a:solidFill>
+            <a:schemeClr val="tx1"/>
+          </a:solidFill>
+          <a:latin typeface="+mn-lt"/>
+          <a:ea typeface="+mn-ea"/>
+          <a:cs typeface="+mn-cs"/>
+        </a:defRPr>
+      </a:lvl3pPr>
+      <a:lvl4pPr marL="1371600" algn="l" defTabSz="914400" rtl="0" eaLnBrk="1" latinLnBrk="0" hangingPunct="1">
+        <a:defRPr sz="1800" kern="1200">
+          <a:solidFill>
+            <a:schemeClr val="tx1"/>
+          </a:solidFill>
+          <a:latin typeface="+mn-lt"/>
+          <a:ea typeface="+mn-ea"/>
+          <a:cs typeface="+mn-cs"/>
+        </a:defRPr>
+      </a:lvl4pPr>
+      <a:lvl5pPr marL="1828800" algn="l" defTabSz="914400" rtl="0" eaLnBrk="1" latinLnBrk="0" hangingPunct="1">
+        <a:defRPr sz="1800" kern="1200">
+          <a:solidFill>
+            <a:schemeClr val="tx1"/>
+          </a:solidFill>
+          <a:latin typeface="+mn-lt"/>
+          <a:ea typeface="+mn-ea"/>
+          <a:cs typeface="+mn-cs"/>
+        </a:defRPr>
+      </a:lvl5pPr>
+      <a:lvl6pPr marL="2286000" algn="l" defTabSz="914400" rtl="0" eaLnBrk="1" latinLnBrk="0" hangingPunct="1">
+        <a:defRPr sz="1800" kern="1200">
+          <a:solidFill>
+            <a:schemeClr val="tx1"/>
+          </a:solidFill>
+          <a:latin typeface="+mn-lt"/>
+          <a:ea typeface="+mn-ea"/>
+          <a:cs typeface="+mn-cs"/>
+        </a:defRPr>
+      </a:lvl6pPr>
+      <a:lvl7pPr marL="2743200" algn="l" defTabSz="914400" rtl="0" eaLnBrk="1" latinLnBrk="0" hangingPunct="1">
+        <a:defRPr sz="1800" kern="1200">
+          <a:solidFill>
+            <a:schemeClr val="tx1"/>
+          </a:solidFill>
+          <a:latin typeface="+mn-lt"/>
+          <a:ea typeface="+mn-ea"/>
+          <a:cs typeface="+mn-cs"/>
+        </a:defRPr>
+      </a:lvl7pPr>
+      <a:lvl8pPr marL="3200400" algn="l" defTabSz="914400" rtl="0" eaLnBrk="1" latinLnBrk="0" hangingPunct="1">
+        <a:defRPr sz="1800" kern="1200">
+          <a:solidFill>
+            <a:schemeClr val="tx1"/>
+          </a:solidFill>
+          <a:latin typeface="+mn-lt"/>
+          <a:ea typeface="+mn-ea"/>
+          <a:cs typeface="+mn-cs"/>
+        </a:defRPr>
+      </a:lvl8pPr>
+      <a:lvl9pPr marL="3657600" algn="l" defTabSz="914400" rtl="0" eaLnBrk="1" latinLnBrk="0" hangingPunct="1">
+        <a:defRPr sz="1800" kern="1200">
+          <a:solidFill>
+            <a:schemeClr val="tx1"/>
+          </a:solidFill>
+          <a:latin typeface="+mn-lt"/>
+          <a:ea typeface="+mn-ea"/>
+          <a:cs typeface="+mn-cs"/>
+        </a:defRPr>
+      </a:lvl9pPr>
+    </p:otherStyle>
+  </p:txStyles>
+</p:sldMaster>
+</file>
+
+<file path=ppt/slides/slide1.xml><?xml version="1.0" encoding="utf-8"?>
+<p:sld xmlns:a="http://schemas.openxmlformats.org/drawingml/2006/main" xmlns:r="http://schemas.openxmlformats.org/officeDocument/2006/relationships" xmlns:p="http://schemas.openxmlformats.org/presentationml/2006/main">
+  <p:cSld>
+    <p:spTree>
+      <p:nvGrpSpPr>
+        <p:cNvPr id="1" name=""/>
+        <p:cNvGrpSpPr/>
+        <p:nvPr/>
+      </p:nvGrpSpPr>
+      <p:grpSpPr>
+        <a:xfrm>
+          <a:off x="0" y="0"/>
+          <a:ext cx="0" cy="0"/>
+          <a:chOff x="0" y="0"/>
+          <a:chExt cx="0" cy="0"/>
+        </a:xfrm>
+      </p:grpSpPr>
+      <p:sp>
+        <p:nvSpPr>
+          <p:cNvPr id="2" name="Title 1">
+            <a:extLst>
+              <a:ext uri="{FF2B5EF4-FFF2-40B4-BE49-F238E27FC236}">
+                <a16:creationId xmlns:a16="http://schemas.microsoft.com/office/drawing/2014/main" id="{E669B6C1-5123-C70C-09D6-2FE71E903D48}"/>
+              </a:ext>
+            </a:extLst>
+          </p:cNvPr>
+          <p:cNvSpPr>
+            <a:spLocks noGrp="1"/>
+          </p:cNvSpPr>
+          <p:nvPr>
+            <p:ph type="ctrTitle"/>
+          </p:nvPr>
+        </p:nvSpPr>
+        <p:spPr/>
+        <p:txBody>
+          <a:bodyPr/>
+          <a:lstStyle/>
+          <a:p>
+            <a:r>
+              <a:rPr lang="en-GB" dirty="0"/>
+              <a:t>This is a test presentation</a:t>
+            </a:r>
+          </a:p>
+        </p:txBody>
+      </p:sp>
+      <p:sp>
+        <p:nvSpPr>
+          <p:cNvPr id="3" name="Subtitle 2">
+            <a:extLst>
+              <a:ext uri="{FF2B5EF4-FFF2-40B4-BE49-F238E27FC236}">
+                <a16:creationId xmlns:a16="http://schemas.microsoft.com/office/drawing/2014/main" id="{E71C1135-E7B4-F7FE-B8DE-760B8D9E7D1E}"/>
+              </a:ext>
+            </a:extLst>
+          </p:cNvPr>
+          <p:cNvSpPr>
+            <a:spLocks noGrp="1"/>
+          </p:cNvSpPr>
+          <p:nvPr>
+            <p:ph type="subTitle" idx="1"/>
+          </p:nvPr>
+        </p:nvSpPr>
+        <p:spPr/>
+        <p:txBody>
+          <a:bodyPr/>
+          <a:lstStyle/>
+          <a:p>
+            <a:r>
+              <a:rPr lang="en-GB" dirty="0"/>
+              <a:t>This is the subtitle</a:t>
+            </a:r>
+          </a:p>
+        </p:txBody>
+      </p:sp>
+    </p:spTree>
+    <p:extLst>
+      <p:ext uri="{BB962C8B-B14F-4D97-AF65-F5344CB8AC3E}">
+        <p14:creationId xmlns:p14="http://schemas.microsoft.com/office/powerpoint/2010/main" val="4162670108"/>
+      </p:ext>
+    </p:extLst>
+  </p:cSld>
+  <p:clrMapOvr>
+    <a:masterClrMapping/>
+  </p:clrMapOvr>
+</p:sld>
+</file>
+
+<file path=ppt/slides/slide2.xml><?xml version="1.0" encoding="utf-8"?>
+<p:sld xmlns:a="http://schemas.openxmlformats.org/drawingml/2006/main" xmlns:r="http://schemas.openxmlformats.org/officeDocument/2006/relationships" xmlns:p="http://schemas.openxmlformats.org/presentationml/2006/main">
+  <p:cSld>
+    <p:spTree>
+      <p:nvGrpSpPr>
+        <p:cNvPr id="1" name=""/>
+        <p:cNvGrpSpPr/>
+        <p:nvPr/>
+      </p:nvGrpSpPr>
+      <p:grpSpPr>
+        <a:xfrm>
+          <a:off x="0" y="0"/>
+          <a:ext cx="0" cy="0"/>
+          <a:chOff x="0" y="0"/>
+          <a:chExt cx="0" cy="0"/>
+        </a:xfrm>
+      </p:grpSpPr>
+      <p:sp>
+        <p:nvSpPr>
+          <p:cNvPr id="2" name="Title 1">
+            <a:extLst>
+              <a:ext uri="{FF2B5EF4-FFF2-40B4-BE49-F238E27FC236}">
+                <a16:creationId xmlns:a16="http://schemas.microsoft.com/office/drawing/2014/main" id="{1AA32326-93BD-2C35-7A74-894B1B9316CE}"/>
+              </a:ext>
+            </a:extLst>
+          </p:cNvPr>
+          <p:cNvSpPr>
+            <a:spLocks noGrp="1"/>
+          </p:cNvSpPr>
+          <p:nvPr>
+            <p:ph type="title"/>
+          </p:nvPr>
+        </p:nvSpPr>
+        <p:spPr/>
+        <p:txBody>
+          <a:bodyPr/>
+          <a:lstStyle/>
+          <a:p>
+            <a:r>
+              <a:rPr lang="en-GB" dirty="0"/>
+              <a:t>First slide</a:t>
+            </a:r>
+          </a:p>
+        </p:txBody>
+      </p:sp>
+      <p:sp>
+        <p:nvSpPr>
+          <p:cNvPr id="3" name="Content Placeholder 2">
+            <a:extLst>
+              <a:ext uri="{FF2B5EF4-FFF2-40B4-BE49-F238E27FC236}">
+                <a16:creationId xmlns:a16="http://schemas.microsoft.com/office/drawing/2014/main" id="{D44F839B-B54B-34DD-215B-4F0CAEC68F71}"/>
+              </a:ext>
+            </a:extLst>
+          </p:cNvPr>
+          <p:cNvSpPr>
+            <a:spLocks noGrp="1"/>
+          </p:cNvSpPr>
+          <p:nvPr>
+            <p:ph idx="1"/>
+          </p:nvPr>
+        </p:nvSpPr>
+        <p:spPr/>
+        <p:txBody>
+          <a:bodyPr/>
+          <a:lstStyle/>
+          <a:p>
+            <a:r>
+              <a:rPr lang="en-GB" dirty="0"/>
+              <a:t>Bullet 1</a:t>
+            </a:r>
+          </a:p>
+          <a:p>
+            <a:r>
+              <a:rPr lang="en-GB"/>
+              <a:t>Bullet 2</a:t>
+            </a:r>
+          </a:p>
+        </p:txBody>
+      </p:sp>
+    </p:spTree>
+    <p:extLst>
+      <p:ext uri="{BB962C8B-B14F-4D97-AF65-F5344CB8AC3E}">
+        <p14:creationId xmlns:p14="http://schemas.microsoft.com/office/powerpoint/2010/main" val="4031919852"/>
+      </p:ext>
+    </p:extLst>
+  </p:cSld>
+  <p:clrMapOvr>
+    <a:masterClrMapping/>
+  </p:clrMapOvr>
+</p:sld>
+</file>
+
+<file path=ppt/slides/slide3.xml><?xml version="1.0" encoding="utf-8"?>
+<p:sld xmlns:a="http://schemas.openxmlformats.org/drawingml/2006/main" xmlns:r="http://schemas.openxmlformats.org/officeDocument/2006/relationships" xmlns:p="http://schemas.openxmlformats.org/presentationml/2006/main">
+  <p:cSld>
+    <p:spTree>
+      <p:nvGrpSpPr>
+        <p:cNvPr id="1" name=""/>
+        <p:cNvGrpSpPr/>
+        <p:nvPr/>
+      </p:nvGrpSpPr>
+      <p:grpSpPr>
+        <a:xfrm>
+          <a:off x="0" y="0"/>
+          <a:ext cx="0" cy="0"/>
+          <a:chOff x="0" y="0"/>
+          <a:chExt cx="0" cy="0"/>
+        </a:xfrm>
+      </p:grpSpPr>
+      <p:sp>
+        <p:nvSpPr>
+          <p:cNvPr id="2" name="Title 1">
+            <a:extLst>
+              <a:ext uri="{FF2B5EF4-FFF2-40B4-BE49-F238E27FC236}">
+                <a16:creationId xmlns:a16="http://schemas.microsoft.com/office/drawing/2014/main" id="{1AA32326-93BD-2C35-7A74-894B1B9316CE}"/>
+              </a:ext>
+            </a:extLst>
+          </p:cNvPr>
+          <p:cNvSpPr>
+            <a:spLocks noGrp="1"/>
+          </p:cNvSpPr>
+          <p:nvPr>
+            <p:ph type="title"/>
+          </p:nvPr>
+        </p:nvSpPr>
+        <p:spPr/>
+        <p:txBody>
+          <a:bodyPr/>
+          <a:lstStyle/>
+          <a:p>
+            <a:r>
+              <a:rPr lang="en-GB"/>
+              <a:t>Second </a:t>
+            </a:r>
+            <a:r>
+              <a:rPr lang="en-GB" dirty="0"/>
+              <a:t>slide</a:t>
+            </a:r>
+          </a:p>
+        </p:txBody>
+      </p:sp>
+      <p:sp>
+        <p:nvSpPr>
+          <p:cNvPr id="3" name="Content Placeholder 2">
+            <a:extLst>
+              <a:ext uri="{FF2B5EF4-FFF2-40B4-BE49-F238E27FC236}">
+                <a16:creationId xmlns:a16="http://schemas.microsoft.com/office/drawing/2014/main" id="{D44F839B-B54B-34DD-215B-4F0CAEC68F71}"/>
+              </a:ext>
+            </a:extLst>
+          </p:cNvPr>
+          <p:cNvSpPr>
+            <a:spLocks noGrp="1"/>
+          </p:cNvSpPr>
+          <p:nvPr>
+            <p:ph idx="1"/>
+          </p:nvPr>
+        </p:nvSpPr>
+        <p:spPr/>
+        <p:txBody>
+          <a:bodyPr/>
+          <a:lstStyle/>
+          <a:p>
+            <a:r>
+              <a:rPr lang="en-GB" dirty="0"/>
+              <a:t>Bullet 1</a:t>
+            </a:r>
+          </a:p>
+          <a:p>
+            <a:r>
+              <a:rPr lang="en-GB"/>
+              <a:t>Bullet 2</a:t>
+            </a:r>
+          </a:p>
+        </p:txBody>
+      </p:sp>
+    </p:spTree>
+    <p:extLst>
+      <p:ext uri="{BB962C8B-B14F-4D97-AF65-F5344CB8AC3E}">
+        <p14:creationId xmlns:p14="http://schemas.microsoft.com/office/powerpoint/2010/main" val="3358088681"/>
+      </p:ext>
+    </p:extLst>
+  </p:cSld>
+  <p:clrMapOvr>
+    <a:masterClrMapping/>
+  </p:clrMapOvr>
+</p:sld>
+</file>
 
 <file path=ppt/theme/theme1.xml><?xml version="1.0" encoding="utf-8"?>
 <a:theme xmlns:a="http://schemas.openxmlformats.org/drawingml/2006/main" name="Office Theme">
